--- a/Capstone 2/Final Presentation.pptx
+++ b/Capstone 2/Final Presentation.pptx
@@ -4,14 +4,20 @@
   <p:sldMasterIdLst>
     <p:sldMasterId id="2147483648" r:id="rId1"/>
   </p:sldMasterIdLst>
+  <p:notesMasterIdLst>
+    <p:notesMasterId r:id="rId12"/>
+  </p:notesMasterIdLst>
   <p:sldIdLst>
     <p:sldId id="256" r:id="rId2"/>
     <p:sldId id="257" r:id="rId3"/>
     <p:sldId id="259" r:id="rId4"/>
     <p:sldId id="258" r:id="rId5"/>
     <p:sldId id="262" r:id="rId6"/>
-    <p:sldId id="260" r:id="rId7"/>
-    <p:sldId id="261" r:id="rId8"/>
+    <p:sldId id="264" r:id="rId7"/>
+    <p:sldId id="263" r:id="rId8"/>
+    <p:sldId id="265" r:id="rId9"/>
+    <p:sldId id="260" r:id="rId10"/>
+    <p:sldId id="261" r:id="rId11"/>
   </p:sldIdLst>
   <p:sldSz cx="12192000" cy="6858000"/>
   <p:notesSz cx="6858000" cy="9144000"/>
@@ -110,6 +116,11 @@
       </a:defRPr>
     </a:lvl9pPr>
   </p:defaultTextStyle>
+  <p:extLst>
+    <p:ext uri="{EFAFB233-063F-42B5-8137-9DF3F51BA10A}">
+      <p15:sldGuideLst xmlns:p15="http://schemas.microsoft.com/office/powerpoint/2012/main"/>
+    </p:ext>
+  </p:extLst>
 </p:presentation>
 </file>
 
@@ -5872,6 +5883,439 @@
 </dgm:styleDef>
 </file>
 
+<file path=ppt/notesMasters/notesMaster1.xml><?xml version="1.0" encoding="utf-8"?>
+<p:notesMaster xmlns:a="http://schemas.openxmlformats.org/drawingml/2006/main" xmlns:r="http://schemas.openxmlformats.org/officeDocument/2006/relationships" xmlns:p="http://schemas.openxmlformats.org/presentationml/2006/main">
+  <p:cSld>
+    <p:bg>
+      <p:bgRef idx="1001">
+        <a:schemeClr val="bg1"/>
+      </p:bgRef>
+    </p:bg>
+    <p:spTree>
+      <p:nvGrpSpPr>
+        <p:cNvPr id="1" name=""/>
+        <p:cNvGrpSpPr/>
+        <p:nvPr/>
+      </p:nvGrpSpPr>
+      <p:grpSpPr>
+        <a:xfrm>
+          <a:off x="0" y="0"/>
+          <a:ext cx="0" cy="0"/>
+          <a:chOff x="0" y="0"/>
+          <a:chExt cx="0" cy="0"/>
+        </a:xfrm>
+      </p:grpSpPr>
+      <p:sp>
+        <p:nvSpPr>
+          <p:cNvPr id="2" name="Header Placeholder 1"/>
+          <p:cNvSpPr>
+            <a:spLocks noGrp="1"/>
+          </p:cNvSpPr>
+          <p:nvPr>
+            <p:ph type="hdr" sz="quarter"/>
+          </p:nvPr>
+        </p:nvSpPr>
+        <p:spPr>
+          <a:xfrm>
+            <a:off x="0" y="0"/>
+            <a:ext cx="2971800" cy="458788"/>
+          </a:xfrm>
+          <a:prstGeom prst="rect">
+            <a:avLst/>
+          </a:prstGeom>
+        </p:spPr>
+        <p:txBody>
+          <a:bodyPr vert="horz" lIns="91440" tIns="45720" rIns="91440" bIns="45720" rtlCol="0"/>
+          <a:lstStyle>
+            <a:lvl1pPr algn="l">
+              <a:defRPr sz="1200"/>
+            </a:lvl1pPr>
+          </a:lstStyle>
+          <a:p>
+            <a:endParaRPr lang="en-US"/>
+          </a:p>
+        </p:txBody>
+      </p:sp>
+      <p:sp>
+        <p:nvSpPr>
+          <p:cNvPr id="3" name="Date Placeholder 2"/>
+          <p:cNvSpPr>
+            <a:spLocks noGrp="1"/>
+          </p:cNvSpPr>
+          <p:nvPr>
+            <p:ph type="dt" idx="1"/>
+          </p:nvPr>
+        </p:nvSpPr>
+        <p:spPr>
+          <a:xfrm>
+            <a:off x="3884613" y="0"/>
+            <a:ext cx="2971800" cy="458788"/>
+          </a:xfrm>
+          <a:prstGeom prst="rect">
+            <a:avLst/>
+          </a:prstGeom>
+        </p:spPr>
+        <p:txBody>
+          <a:bodyPr vert="horz" lIns="91440" tIns="45720" rIns="91440" bIns="45720" rtlCol="0"/>
+          <a:lstStyle>
+            <a:lvl1pPr algn="r">
+              <a:defRPr sz="1200"/>
+            </a:lvl1pPr>
+          </a:lstStyle>
+          <a:p>
+            <a:fld id="{21B0CDF4-3987-274A-B2D8-18B533B9109B}" type="datetimeFigureOut">
+              <a:rPr lang="en-US" smtClean="0"/>
+              <a:t>11/13/22</a:t>
+            </a:fld>
+            <a:endParaRPr lang="en-US"/>
+          </a:p>
+        </p:txBody>
+      </p:sp>
+      <p:sp>
+        <p:nvSpPr>
+          <p:cNvPr id="4" name="Slide Image Placeholder 3"/>
+          <p:cNvSpPr>
+            <a:spLocks noGrp="1" noRot="1" noChangeAspect="1"/>
+          </p:cNvSpPr>
+          <p:nvPr>
+            <p:ph type="sldImg" idx="2"/>
+          </p:nvPr>
+        </p:nvSpPr>
+        <p:spPr>
+          <a:xfrm>
+            <a:off x="685800" y="1143000"/>
+            <a:ext cx="5486400" cy="3086100"/>
+          </a:xfrm>
+          <a:prstGeom prst="rect">
+            <a:avLst/>
+          </a:prstGeom>
+          <a:noFill/>
+          <a:ln w="12700">
+            <a:solidFill>
+              <a:prstClr val="black"/>
+            </a:solidFill>
+          </a:ln>
+        </p:spPr>
+        <p:txBody>
+          <a:bodyPr vert="horz" lIns="91440" tIns="45720" rIns="91440" bIns="45720" rtlCol="0" anchor="ctr"/>
+          <a:lstStyle/>
+          <a:p>
+            <a:endParaRPr lang="en-US"/>
+          </a:p>
+        </p:txBody>
+      </p:sp>
+      <p:sp>
+        <p:nvSpPr>
+          <p:cNvPr id="5" name="Notes Placeholder 4"/>
+          <p:cNvSpPr>
+            <a:spLocks noGrp="1"/>
+          </p:cNvSpPr>
+          <p:nvPr>
+            <p:ph type="body" sz="quarter" idx="3"/>
+          </p:nvPr>
+        </p:nvSpPr>
+        <p:spPr>
+          <a:xfrm>
+            <a:off x="685800" y="4400550"/>
+            <a:ext cx="5486400" cy="3600450"/>
+          </a:xfrm>
+          <a:prstGeom prst="rect">
+            <a:avLst/>
+          </a:prstGeom>
+        </p:spPr>
+        <p:txBody>
+          <a:bodyPr vert="horz" lIns="91440" tIns="45720" rIns="91440" bIns="45720" rtlCol="0"/>
+          <a:lstStyle/>
+          <a:p>
+            <a:pPr lvl="0"/>
+            <a:r>
+              <a:rPr lang="en-US"/>
+              <a:t>Click to edit Master text styles</a:t>
+            </a:r>
+          </a:p>
+          <a:p>
+            <a:pPr lvl="1"/>
+            <a:r>
+              <a:rPr lang="en-US"/>
+              <a:t>Second level</a:t>
+            </a:r>
+          </a:p>
+          <a:p>
+            <a:pPr lvl="2"/>
+            <a:r>
+              <a:rPr lang="en-US"/>
+              <a:t>Third level</a:t>
+            </a:r>
+          </a:p>
+          <a:p>
+            <a:pPr lvl="3"/>
+            <a:r>
+              <a:rPr lang="en-US"/>
+              <a:t>Fourth level</a:t>
+            </a:r>
+          </a:p>
+          <a:p>
+            <a:pPr lvl="4"/>
+            <a:r>
+              <a:rPr lang="en-US"/>
+              <a:t>Fifth level</a:t>
+            </a:r>
+          </a:p>
+        </p:txBody>
+      </p:sp>
+      <p:sp>
+        <p:nvSpPr>
+          <p:cNvPr id="6" name="Footer Placeholder 5"/>
+          <p:cNvSpPr>
+            <a:spLocks noGrp="1"/>
+          </p:cNvSpPr>
+          <p:nvPr>
+            <p:ph type="ftr" sz="quarter" idx="4"/>
+          </p:nvPr>
+        </p:nvSpPr>
+        <p:spPr>
+          <a:xfrm>
+            <a:off x="0" y="8685213"/>
+            <a:ext cx="2971800" cy="458787"/>
+          </a:xfrm>
+          <a:prstGeom prst="rect">
+            <a:avLst/>
+          </a:prstGeom>
+        </p:spPr>
+        <p:txBody>
+          <a:bodyPr vert="horz" lIns="91440" tIns="45720" rIns="91440" bIns="45720" rtlCol="0" anchor="b"/>
+          <a:lstStyle>
+            <a:lvl1pPr algn="l">
+              <a:defRPr sz="1200"/>
+            </a:lvl1pPr>
+          </a:lstStyle>
+          <a:p>
+            <a:endParaRPr lang="en-US"/>
+          </a:p>
+        </p:txBody>
+      </p:sp>
+      <p:sp>
+        <p:nvSpPr>
+          <p:cNvPr id="7" name="Slide Number Placeholder 6"/>
+          <p:cNvSpPr>
+            <a:spLocks noGrp="1"/>
+          </p:cNvSpPr>
+          <p:nvPr>
+            <p:ph type="sldNum" sz="quarter" idx="5"/>
+          </p:nvPr>
+        </p:nvSpPr>
+        <p:spPr>
+          <a:xfrm>
+            <a:off x="3884613" y="8685213"/>
+            <a:ext cx="2971800" cy="458787"/>
+          </a:xfrm>
+          <a:prstGeom prst="rect">
+            <a:avLst/>
+          </a:prstGeom>
+        </p:spPr>
+        <p:txBody>
+          <a:bodyPr vert="horz" lIns="91440" tIns="45720" rIns="91440" bIns="45720" rtlCol="0" anchor="b"/>
+          <a:lstStyle>
+            <a:lvl1pPr algn="r">
+              <a:defRPr sz="1200"/>
+            </a:lvl1pPr>
+          </a:lstStyle>
+          <a:p>
+            <a:fld id="{847175E0-BE47-AC43-B8D6-69FC5511CE36}" type="slidenum">
+              <a:rPr lang="en-US" smtClean="0"/>
+              <a:t>‹#›</a:t>
+            </a:fld>
+            <a:endParaRPr lang="en-US"/>
+          </a:p>
+        </p:txBody>
+      </p:sp>
+    </p:spTree>
+    <p:extLst>
+      <p:ext uri="{BB962C8B-B14F-4D97-AF65-F5344CB8AC3E}">
+        <p14:creationId xmlns:p14="http://schemas.microsoft.com/office/powerpoint/2010/main" val="4061391464"/>
+      </p:ext>
+    </p:extLst>
+  </p:cSld>
+  <p:clrMap bg1="lt1" tx1="dk1" bg2="lt2" tx2="dk2" accent1="accent1" accent2="accent2" accent3="accent3" accent4="accent4" accent5="accent5" accent6="accent6" hlink="hlink" folHlink="folHlink"/>
+  <p:notesStyle>
+    <a:lvl1pPr marL="0" algn="l" defTabSz="914400" rtl="0" eaLnBrk="1" latinLnBrk="0" hangingPunct="1">
+      <a:defRPr sz="1200" kern="1200">
+        <a:solidFill>
+          <a:schemeClr val="tx1"/>
+        </a:solidFill>
+        <a:latin typeface="+mn-lt"/>
+        <a:ea typeface="+mn-ea"/>
+        <a:cs typeface="+mn-cs"/>
+      </a:defRPr>
+    </a:lvl1pPr>
+    <a:lvl2pPr marL="457200" algn="l" defTabSz="914400" rtl="0" eaLnBrk="1" latinLnBrk="0" hangingPunct="1">
+      <a:defRPr sz="1200" kern="1200">
+        <a:solidFill>
+          <a:schemeClr val="tx1"/>
+        </a:solidFill>
+        <a:latin typeface="+mn-lt"/>
+        <a:ea typeface="+mn-ea"/>
+        <a:cs typeface="+mn-cs"/>
+      </a:defRPr>
+    </a:lvl2pPr>
+    <a:lvl3pPr marL="914400" algn="l" defTabSz="914400" rtl="0" eaLnBrk="1" latinLnBrk="0" hangingPunct="1">
+      <a:defRPr sz="1200" kern="1200">
+        <a:solidFill>
+          <a:schemeClr val="tx1"/>
+        </a:solidFill>
+        <a:latin typeface="+mn-lt"/>
+        <a:ea typeface="+mn-ea"/>
+        <a:cs typeface="+mn-cs"/>
+      </a:defRPr>
+    </a:lvl3pPr>
+    <a:lvl4pPr marL="1371600" algn="l" defTabSz="914400" rtl="0" eaLnBrk="1" latinLnBrk="0" hangingPunct="1">
+      <a:defRPr sz="1200" kern="1200">
+        <a:solidFill>
+          <a:schemeClr val="tx1"/>
+        </a:solidFill>
+        <a:latin typeface="+mn-lt"/>
+        <a:ea typeface="+mn-ea"/>
+        <a:cs typeface="+mn-cs"/>
+      </a:defRPr>
+    </a:lvl4pPr>
+    <a:lvl5pPr marL="1828800" algn="l" defTabSz="914400" rtl="0" eaLnBrk="1" latinLnBrk="0" hangingPunct="1">
+      <a:defRPr sz="1200" kern="1200">
+        <a:solidFill>
+          <a:schemeClr val="tx1"/>
+        </a:solidFill>
+        <a:latin typeface="+mn-lt"/>
+        <a:ea typeface="+mn-ea"/>
+        <a:cs typeface="+mn-cs"/>
+      </a:defRPr>
+    </a:lvl5pPr>
+    <a:lvl6pPr marL="2286000" algn="l" defTabSz="914400" rtl="0" eaLnBrk="1" latinLnBrk="0" hangingPunct="1">
+      <a:defRPr sz="1200" kern="1200">
+        <a:solidFill>
+          <a:schemeClr val="tx1"/>
+        </a:solidFill>
+        <a:latin typeface="+mn-lt"/>
+        <a:ea typeface="+mn-ea"/>
+        <a:cs typeface="+mn-cs"/>
+      </a:defRPr>
+    </a:lvl6pPr>
+    <a:lvl7pPr marL="2743200" algn="l" defTabSz="914400" rtl="0" eaLnBrk="1" latinLnBrk="0" hangingPunct="1">
+      <a:defRPr sz="1200" kern="1200">
+        <a:solidFill>
+          <a:schemeClr val="tx1"/>
+        </a:solidFill>
+        <a:latin typeface="+mn-lt"/>
+        <a:ea typeface="+mn-ea"/>
+        <a:cs typeface="+mn-cs"/>
+      </a:defRPr>
+    </a:lvl7pPr>
+    <a:lvl8pPr marL="3200400" algn="l" defTabSz="914400" rtl="0" eaLnBrk="1" latinLnBrk="0" hangingPunct="1">
+      <a:defRPr sz="1200" kern="1200">
+        <a:solidFill>
+          <a:schemeClr val="tx1"/>
+        </a:solidFill>
+        <a:latin typeface="+mn-lt"/>
+        <a:ea typeface="+mn-ea"/>
+        <a:cs typeface="+mn-cs"/>
+      </a:defRPr>
+    </a:lvl8pPr>
+    <a:lvl9pPr marL="3657600" algn="l" defTabSz="914400" rtl="0" eaLnBrk="1" latinLnBrk="0" hangingPunct="1">
+      <a:defRPr sz="1200" kern="1200">
+        <a:solidFill>
+          <a:schemeClr val="tx1"/>
+        </a:solidFill>
+        <a:latin typeface="+mn-lt"/>
+        <a:ea typeface="+mn-ea"/>
+        <a:cs typeface="+mn-cs"/>
+      </a:defRPr>
+    </a:lvl9pPr>
+  </p:notesStyle>
+</p:notesMaster>
+</file>
+
+<file path=ppt/notesSlides/notesSlide1.xml><?xml version="1.0" encoding="utf-8"?>
+<p:notes xmlns:a="http://schemas.openxmlformats.org/drawingml/2006/main" xmlns:r="http://schemas.openxmlformats.org/officeDocument/2006/relationships" xmlns:p="http://schemas.openxmlformats.org/presentationml/2006/main">
+  <p:cSld>
+    <p:spTree>
+      <p:nvGrpSpPr>
+        <p:cNvPr id="1" name=""/>
+        <p:cNvGrpSpPr/>
+        <p:nvPr/>
+      </p:nvGrpSpPr>
+      <p:grpSpPr>
+        <a:xfrm>
+          <a:off x="0" y="0"/>
+          <a:ext cx="0" cy="0"/>
+          <a:chOff x="0" y="0"/>
+          <a:chExt cx="0" cy="0"/>
+        </a:xfrm>
+      </p:grpSpPr>
+      <p:sp>
+        <p:nvSpPr>
+          <p:cNvPr id="2" name="Slide Image Placeholder 1"/>
+          <p:cNvSpPr>
+            <a:spLocks noGrp="1" noRot="1" noChangeAspect="1"/>
+          </p:cNvSpPr>
+          <p:nvPr>
+            <p:ph type="sldImg"/>
+          </p:nvPr>
+        </p:nvSpPr>
+        <p:spPr/>
+      </p:sp>
+      <p:sp>
+        <p:nvSpPr>
+          <p:cNvPr id="3" name="Notes Placeholder 2"/>
+          <p:cNvSpPr>
+            <a:spLocks noGrp="1"/>
+          </p:cNvSpPr>
+          <p:nvPr>
+            <p:ph type="body" idx="1"/>
+          </p:nvPr>
+        </p:nvSpPr>
+        <p:spPr/>
+        <p:txBody>
+          <a:bodyPr/>
+          <a:lstStyle/>
+          <a:p>
+            <a:endParaRPr lang="en-US"/>
+          </a:p>
+        </p:txBody>
+      </p:sp>
+      <p:sp>
+        <p:nvSpPr>
+          <p:cNvPr id="4" name="Slide Number Placeholder 3"/>
+          <p:cNvSpPr>
+            <a:spLocks noGrp="1"/>
+          </p:cNvSpPr>
+          <p:nvPr>
+            <p:ph type="sldNum" sz="quarter" idx="5"/>
+          </p:nvPr>
+        </p:nvSpPr>
+        <p:spPr/>
+        <p:txBody>
+          <a:bodyPr/>
+          <a:lstStyle/>
+          <a:p>
+            <a:fld id="{847175E0-BE47-AC43-B8D6-69FC5511CE36}" type="slidenum">
+              <a:rPr lang="en-US" smtClean="0"/>
+              <a:t>8</a:t>
+            </a:fld>
+            <a:endParaRPr lang="en-US"/>
+          </a:p>
+        </p:txBody>
+      </p:sp>
+    </p:spTree>
+    <p:extLst>
+      <p:ext uri="{BB962C8B-B14F-4D97-AF65-F5344CB8AC3E}">
+        <p14:creationId xmlns:p14="http://schemas.microsoft.com/office/powerpoint/2010/main" val="3723613084"/>
+      </p:ext>
+    </p:extLst>
+  </p:cSld>
+  <p:clrMapOvr>
+    <a:masterClrMapping/>
+  </p:clrMapOvr>
+</p:notes>
+</file>
+
 <file path=ppt/slideLayouts/slideLayout1.xml><?xml version="1.0" encoding="utf-8"?>
 <p:sldLayout xmlns:a="http://schemas.openxmlformats.org/drawingml/2006/main" xmlns:r="http://schemas.openxmlformats.org/officeDocument/2006/relationships" xmlns:p="http://schemas.openxmlformats.org/presentationml/2006/main" type="title" preserve="1">
   <p:cSld name="Title Slide">
@@ -6019,7 +6463,7 @@
           <a:p>
             <a:fld id="{5E16A04B-85B0-FA4D-9AC8-9E2EF0630C9C}" type="datetimeFigureOut">
               <a:rPr lang="en-US" smtClean="0"/>
-              <a:t>11/11/22</a:t>
+              <a:t>11/13/22</a:t>
             </a:fld>
             <a:endParaRPr lang="en-US"/>
           </a:p>
@@ -6217,7 +6661,7 @@
           <a:p>
             <a:fld id="{5E16A04B-85B0-FA4D-9AC8-9E2EF0630C9C}" type="datetimeFigureOut">
               <a:rPr lang="en-US" smtClean="0"/>
-              <a:t>11/11/22</a:t>
+              <a:t>11/13/22</a:t>
             </a:fld>
             <a:endParaRPr lang="en-US"/>
           </a:p>
@@ -6425,7 +6869,7 @@
           <a:p>
             <a:fld id="{5E16A04B-85B0-FA4D-9AC8-9E2EF0630C9C}" type="datetimeFigureOut">
               <a:rPr lang="en-US" smtClean="0"/>
-              <a:t>11/11/22</a:t>
+              <a:t>11/13/22</a:t>
             </a:fld>
             <a:endParaRPr lang="en-US"/>
           </a:p>
@@ -6623,7 +7067,7 @@
           <a:p>
             <a:fld id="{5E16A04B-85B0-FA4D-9AC8-9E2EF0630C9C}" type="datetimeFigureOut">
               <a:rPr lang="en-US" smtClean="0"/>
-              <a:t>11/11/22</a:t>
+              <a:t>11/13/22</a:t>
             </a:fld>
             <a:endParaRPr lang="en-US"/>
           </a:p>
@@ -6898,7 +7342,7 @@
           <a:p>
             <a:fld id="{5E16A04B-85B0-FA4D-9AC8-9E2EF0630C9C}" type="datetimeFigureOut">
               <a:rPr lang="en-US" smtClean="0"/>
-              <a:t>11/11/22</a:t>
+              <a:t>11/13/22</a:t>
             </a:fld>
             <a:endParaRPr lang="en-US"/>
           </a:p>
@@ -7163,7 +7607,7 @@
           <a:p>
             <a:fld id="{5E16A04B-85B0-FA4D-9AC8-9E2EF0630C9C}" type="datetimeFigureOut">
               <a:rPr lang="en-US" smtClean="0"/>
-              <a:t>11/11/22</a:t>
+              <a:t>11/13/22</a:t>
             </a:fld>
             <a:endParaRPr lang="en-US"/>
           </a:p>
@@ -7575,7 +8019,7 @@
           <a:p>
             <a:fld id="{5E16A04B-85B0-FA4D-9AC8-9E2EF0630C9C}" type="datetimeFigureOut">
               <a:rPr lang="en-US" smtClean="0"/>
-              <a:t>11/11/22</a:t>
+              <a:t>11/13/22</a:t>
             </a:fld>
             <a:endParaRPr lang="en-US"/>
           </a:p>
@@ -7716,7 +8160,7 @@
           <a:p>
             <a:fld id="{5E16A04B-85B0-FA4D-9AC8-9E2EF0630C9C}" type="datetimeFigureOut">
               <a:rPr lang="en-US" smtClean="0"/>
-              <a:t>11/11/22</a:t>
+              <a:t>11/13/22</a:t>
             </a:fld>
             <a:endParaRPr lang="en-US"/>
           </a:p>
@@ -7829,7 +8273,7 @@
           <a:p>
             <a:fld id="{5E16A04B-85B0-FA4D-9AC8-9E2EF0630C9C}" type="datetimeFigureOut">
               <a:rPr lang="en-US" smtClean="0"/>
-              <a:t>11/11/22</a:t>
+              <a:t>11/13/22</a:t>
             </a:fld>
             <a:endParaRPr lang="en-US"/>
           </a:p>
@@ -8140,7 +8584,7 @@
           <a:p>
             <a:fld id="{5E16A04B-85B0-FA4D-9AC8-9E2EF0630C9C}" type="datetimeFigureOut">
               <a:rPr lang="en-US" smtClean="0"/>
-              <a:t>11/11/22</a:t>
+              <a:t>11/13/22</a:t>
             </a:fld>
             <a:endParaRPr lang="en-US"/>
           </a:p>
@@ -8428,7 +8872,7 @@
           <a:p>
             <a:fld id="{5E16A04B-85B0-FA4D-9AC8-9E2EF0630C9C}" type="datetimeFigureOut">
               <a:rPr lang="en-US" smtClean="0"/>
-              <a:t>11/11/22</a:t>
+              <a:t>11/13/22</a:t>
             </a:fld>
             <a:endParaRPr lang="en-US"/>
           </a:p>
@@ -8669,7 +9113,7 @@
           <a:p>
             <a:fld id="{5E16A04B-85B0-FA4D-9AC8-9E2EF0630C9C}" type="datetimeFigureOut">
               <a:rPr lang="en-US" smtClean="0"/>
-              <a:t>11/11/22</a:t>
+              <a:t>11/13/22</a:t>
             </a:fld>
             <a:endParaRPr lang="en-US"/>
           </a:p>
@@ -9740,7 +10184,7 @@
               </a:spcAft>
             </a:pPr>
             <a:r>
-              <a:rPr lang="en-US" sz="7200" b="1" kern="1200" spc="-50">
+              <a:rPr lang="en-US" sz="7200" b="1" kern="1200" spc="-50" dirty="0">
                 <a:solidFill>
                   <a:schemeClr val="bg1"/>
                 </a:solidFill>
@@ -9847,6 +10291,214 @@
     <p:extLst>
       <p:ext uri="{BB962C8B-B14F-4D97-AF65-F5344CB8AC3E}">
         <p14:creationId xmlns:p14="http://schemas.microsoft.com/office/powerpoint/2010/main" val="3699254831"/>
+      </p:ext>
+    </p:extLst>
+  </p:cSld>
+  <p:clrMapOvr>
+    <a:masterClrMapping/>
+  </p:clrMapOvr>
+</p:sld>
+</file>
+
+<file path=ppt/slides/slide10.xml><?xml version="1.0" encoding="utf-8"?>
+<p:sld xmlns:a="http://schemas.openxmlformats.org/drawingml/2006/main" xmlns:r="http://schemas.openxmlformats.org/officeDocument/2006/relationships" xmlns:p="http://schemas.openxmlformats.org/presentationml/2006/main">
+  <p:cSld>
+    <p:bg>
+      <p:bgPr>
+        <a:solidFill>
+          <a:schemeClr val="bg1"/>
+        </a:solidFill>
+        <a:effectLst/>
+      </p:bgPr>
+    </p:bg>
+    <p:spTree>
+      <p:nvGrpSpPr>
+        <p:cNvPr id="1" name=""/>
+        <p:cNvGrpSpPr/>
+        <p:nvPr/>
+      </p:nvGrpSpPr>
+      <p:grpSpPr>
+        <a:xfrm>
+          <a:off x="0" y="0"/>
+          <a:ext cx="0" cy="0"/>
+          <a:chOff x="0" y="0"/>
+          <a:chExt cx="0" cy="0"/>
+        </a:xfrm>
+      </p:grpSpPr>
+      <p:sp>
+        <p:nvSpPr>
+          <p:cNvPr id="18" name="Rectangle 8">
+            <a:extLst>
+              <a:ext uri="{FF2B5EF4-FFF2-40B4-BE49-F238E27FC236}">
+                <a16:creationId xmlns:a16="http://schemas.microsoft.com/office/drawing/2014/main" id="{ADF2AA3E-C714-4E8D-9F46-9E6FFF7FBA36}"/>
+              </a:ext>
+              <a:ext uri="{C183D7F6-B498-43B3-948B-1728B52AA6E4}">
+                <adec:decorative xmlns:adec="http://schemas.microsoft.com/office/drawing/2017/decorative" val="1"/>
+              </a:ext>
+            </a:extLst>
+          </p:cNvPr>
+          <p:cNvSpPr>
+            <a:spLocks noGrp="1" noRot="1" noChangeAspect="1" noMove="1" noResize="1" noEditPoints="1" noAdjustHandles="1" noChangeArrowheads="1" noChangeShapeType="1" noTextEdit="1"/>
+          </p:cNvSpPr>
+          <p:nvPr>
+            <p:extLst>
+              <p:ext uri="{386F3935-93C4-4BCD-93E2-E3B085C9AB24}">
+                <p16:designElem xmlns:p16="http://schemas.microsoft.com/office/powerpoint/2015/main" val="1"/>
+              </p:ext>
+            </p:extLst>
+          </p:nvPr>
+        </p:nvSpPr>
+        <p:spPr bwMode="ltGray">
+          <a:xfrm>
+            <a:off x="393308" y="338328"/>
+            <a:ext cx="11438793" cy="1577725"/>
+          </a:xfrm>
+          <a:prstGeom prst="rect">
+            <a:avLst/>
+          </a:prstGeom>
+          <a:solidFill>
+            <a:schemeClr val="tx1">
+              <a:lumMod val="75000"/>
+              <a:lumOff val="25000"/>
+            </a:schemeClr>
+          </a:solidFill>
+          <a:ln w="127000" cap="sq" cmpd="thinThick">
+            <a:solidFill>
+              <a:schemeClr val="tx1">
+                <a:lumMod val="75000"/>
+                <a:lumOff val="25000"/>
+              </a:schemeClr>
+            </a:solidFill>
+          </a:ln>
+        </p:spPr>
+        <p:style>
+          <a:lnRef idx="2">
+            <a:schemeClr val="accent1">
+              <a:shade val="50000"/>
+            </a:schemeClr>
+          </a:lnRef>
+          <a:fillRef idx="1">
+            <a:schemeClr val="accent1"/>
+          </a:fillRef>
+          <a:effectRef idx="0">
+            <a:schemeClr val="accent1"/>
+          </a:effectRef>
+          <a:fontRef idx="minor">
+            <a:schemeClr val="lt1"/>
+          </a:fontRef>
+        </p:style>
+        <p:txBody>
+          <a:bodyPr rtlCol="0" anchor="ctr"/>
+          <a:lstStyle/>
+          <a:p>
+            <a:pPr marL="0" marR="0" lvl="0" indent="0" algn="ctr" defTabSz="914400" rtl="0" eaLnBrk="1" fontAlgn="auto" latinLnBrk="0" hangingPunct="1">
+              <a:lnSpc>
+                <a:spcPct val="100000"/>
+              </a:lnSpc>
+              <a:spcBef>
+                <a:spcPts val="0"/>
+              </a:spcBef>
+              <a:spcAft>
+                <a:spcPts val="0"/>
+              </a:spcAft>
+              <a:buClrTx/>
+              <a:buSzTx/>
+              <a:buFontTx/>
+              <a:buNone/>
+              <a:tabLst/>
+              <a:defRPr/>
+            </a:pPr>
+            <a:endParaRPr kumimoji="0" lang="en-US" sz="1800" b="0" i="0" u="none" strike="noStrike" kern="1200" cap="none" spc="0" normalizeH="0" baseline="0" noProof="0">
+              <a:ln>
+                <a:noFill/>
+              </a:ln>
+              <a:solidFill>
+                <a:prstClr val="white"/>
+              </a:solidFill>
+              <a:effectLst/>
+              <a:uLnTx/>
+              <a:uFillTx/>
+              <a:latin typeface="Calibri" panose="020F0502020204030204"/>
+              <a:ea typeface="+mn-ea"/>
+              <a:cs typeface="+mn-cs"/>
+            </a:endParaRPr>
+          </a:p>
+        </p:txBody>
+      </p:sp>
+      <p:sp>
+        <p:nvSpPr>
+          <p:cNvPr id="2" name="Title 1">
+            <a:extLst>
+              <a:ext uri="{FF2B5EF4-FFF2-40B4-BE49-F238E27FC236}">
+                <a16:creationId xmlns:a16="http://schemas.microsoft.com/office/drawing/2014/main" id="{3685B1BE-E3DD-FA50-7264-39FC5D1876FC}"/>
+              </a:ext>
+            </a:extLst>
+          </p:cNvPr>
+          <p:cNvSpPr>
+            <a:spLocks noGrp="1"/>
+          </p:cNvSpPr>
+          <p:nvPr>
+            <p:ph type="title"/>
+          </p:nvPr>
+        </p:nvSpPr>
+        <p:spPr>
+          <a:xfrm>
+            <a:off x="838200" y="467541"/>
+            <a:ext cx="10515600" cy="1325563"/>
+          </a:xfrm>
+        </p:spPr>
+        <p:txBody>
+          <a:bodyPr>
+            <a:normAutofit/>
+          </a:bodyPr>
+          <a:lstStyle/>
+          <a:p>
+            <a:r>
+              <a:rPr lang="en-US">
+                <a:solidFill>
+                  <a:schemeClr val="bg1"/>
+                </a:solidFill>
+              </a:rPr>
+              <a:t>Next Steps</a:t>
+            </a:r>
+          </a:p>
+        </p:txBody>
+      </p:sp>
+      <p:graphicFrame>
+        <p:nvGraphicFramePr>
+          <p:cNvPr id="19" name="Content Placeholder 2">
+            <a:extLst>
+              <a:ext uri="{FF2B5EF4-FFF2-40B4-BE49-F238E27FC236}">
+                <a16:creationId xmlns:a16="http://schemas.microsoft.com/office/drawing/2014/main" id="{2FA0C95E-BD25-5817-0F30-72D104EEE3DD}"/>
+              </a:ext>
+            </a:extLst>
+          </p:cNvPr>
+          <p:cNvGraphicFramePr>
+            <a:graphicFrameLocks noGrp="1"/>
+          </p:cNvGraphicFramePr>
+          <p:nvPr>
+            <p:ph idx="1"/>
+            <p:extLst>
+              <p:ext uri="{D42A27DB-BD31-4B8C-83A1-F6EECF244321}">
+                <p14:modId xmlns:p14="http://schemas.microsoft.com/office/powerpoint/2010/main" val="1325195932"/>
+              </p:ext>
+            </p:extLst>
+          </p:nvPr>
+        </p:nvGraphicFramePr>
+        <p:xfrm>
+          <a:off x="838200" y="2281565"/>
+          <a:ext cx="10515600" cy="3939310"/>
+        </p:xfrm>
+        <a:graphic>
+          <a:graphicData uri="http://schemas.openxmlformats.org/drawingml/2006/diagram">
+            <dgm:relIds xmlns:dgm="http://schemas.openxmlformats.org/drawingml/2006/diagram" xmlns:r="http://schemas.openxmlformats.org/officeDocument/2006/relationships" r:dm="rId2" r:lo="rId3" r:qs="rId4" r:cs="rId5"/>
+          </a:graphicData>
+        </a:graphic>
+      </p:graphicFrame>
+    </p:spTree>
+    <p:extLst>
+      <p:ext uri="{BB962C8B-B14F-4D97-AF65-F5344CB8AC3E}">
+        <p14:creationId xmlns:p14="http://schemas.microsoft.com/office/powerpoint/2010/main" val="2349755058"/>
       </p:ext>
     </p:extLst>
   </p:cSld>
@@ -11002,6 +11654,1778 @@
       </p:grpSpPr>
       <p:sp>
         <p:nvSpPr>
+          <p:cNvPr id="58" name="Rectangle 29">
+            <a:extLst>
+              <a:ext uri="{FF2B5EF4-FFF2-40B4-BE49-F238E27FC236}">
+                <a16:creationId xmlns:a16="http://schemas.microsoft.com/office/drawing/2014/main" id="{6753252F-4873-4F63-801D-CC719279A7D5}"/>
+              </a:ext>
+              <a:ext uri="{C183D7F6-B498-43B3-948B-1728B52AA6E4}">
+                <adec:decorative xmlns:adec="http://schemas.microsoft.com/office/drawing/2017/decorative" val="1"/>
+              </a:ext>
+            </a:extLst>
+          </p:cNvPr>
+          <p:cNvSpPr>
+            <a:spLocks noGrp="1" noRot="1" noChangeAspect="1" noMove="1" noResize="1" noEditPoints="1" noAdjustHandles="1" noChangeArrowheads="1" noChangeShapeType="1" noTextEdit="1"/>
+          </p:cNvSpPr>
+          <p:nvPr>
+            <p:extLst>
+              <p:ext uri="{386F3935-93C4-4BCD-93E2-E3B085C9AB24}">
+                <p16:designElem xmlns:p16="http://schemas.microsoft.com/office/powerpoint/2015/main" val="1"/>
+              </p:ext>
+            </p:extLst>
+          </p:nvPr>
+        </p:nvSpPr>
+        <p:spPr>
+          <a:xfrm>
+            <a:off x="0" y="0"/>
+            <a:ext cx="12192000" cy="6858000"/>
+          </a:xfrm>
+          <a:prstGeom prst="rect">
+            <a:avLst/>
+          </a:prstGeom>
+          <a:solidFill>
+            <a:srgbClr val="FFFFFF"/>
+          </a:solidFill>
+          <a:ln>
+            <a:noFill/>
+          </a:ln>
+        </p:spPr>
+        <p:style>
+          <a:lnRef idx="2">
+            <a:schemeClr val="accent1">
+              <a:shade val="50000"/>
+            </a:schemeClr>
+          </a:lnRef>
+          <a:fillRef idx="1">
+            <a:schemeClr val="accent1"/>
+          </a:fillRef>
+          <a:effectRef idx="0">
+            <a:schemeClr val="accent1"/>
+          </a:effectRef>
+          <a:fontRef idx="minor">
+            <a:schemeClr val="lt1"/>
+          </a:fontRef>
+        </p:style>
+        <p:txBody>
+          <a:bodyPr rtlCol="0" anchor="ctr"/>
+          <a:lstStyle/>
+          <a:p>
+            <a:pPr algn="ctr"/>
+            <a:endParaRPr lang="en-US"/>
+          </a:p>
+        </p:txBody>
+      </p:sp>
+      <p:sp>
+        <p:nvSpPr>
+          <p:cNvPr id="59" name="Rectangle 31">
+            <a:extLst>
+              <a:ext uri="{FF2B5EF4-FFF2-40B4-BE49-F238E27FC236}">
+                <a16:creationId xmlns:a16="http://schemas.microsoft.com/office/drawing/2014/main" id="{047C8CCB-F95D-4249-92DD-651249D3535A}"/>
+              </a:ext>
+              <a:ext uri="{C183D7F6-B498-43B3-948B-1728B52AA6E4}">
+                <adec:decorative xmlns:adec="http://schemas.microsoft.com/office/drawing/2017/decorative" val="1"/>
+              </a:ext>
+            </a:extLst>
+          </p:cNvPr>
+          <p:cNvSpPr>
+            <a:spLocks noGrp="1" noRot="1" noChangeAspect="1" noMove="1" noResize="1" noEditPoints="1" noAdjustHandles="1" noChangeArrowheads="1" noChangeShapeType="1" noTextEdit="1"/>
+          </p:cNvSpPr>
+          <p:nvPr>
+            <p:extLst>
+              <p:ext uri="{386F3935-93C4-4BCD-93E2-E3B085C9AB24}">
+                <p16:designElem xmlns:p16="http://schemas.microsoft.com/office/powerpoint/2015/main" val="1"/>
+              </p:ext>
+            </p:extLst>
+          </p:nvPr>
+        </p:nvSpPr>
+        <p:spPr>
+          <a:xfrm>
+            <a:off x="0" y="0"/>
+            <a:ext cx="2013557" cy="6858000"/>
+          </a:xfrm>
+          <a:prstGeom prst="rect">
+            <a:avLst/>
+          </a:prstGeom>
+          <a:solidFill>
+            <a:srgbClr val="7F7F7F"/>
+          </a:solidFill>
+          <a:ln>
+            <a:noFill/>
+          </a:ln>
+        </p:spPr>
+        <p:style>
+          <a:lnRef idx="2">
+            <a:schemeClr val="accent1">
+              <a:shade val="50000"/>
+            </a:schemeClr>
+          </a:lnRef>
+          <a:fillRef idx="1">
+            <a:schemeClr val="accent1"/>
+          </a:fillRef>
+          <a:effectRef idx="0">
+            <a:schemeClr val="accent1"/>
+          </a:effectRef>
+          <a:fontRef idx="minor">
+            <a:schemeClr val="lt1"/>
+          </a:fontRef>
+        </p:style>
+        <p:txBody>
+          <a:bodyPr rtlCol="0" anchor="ctr"/>
+          <a:lstStyle/>
+          <a:p>
+            <a:pPr algn="ctr"/>
+            <a:endParaRPr lang="en-US"/>
+          </a:p>
+        </p:txBody>
+      </p:sp>
+      <p:sp>
+        <p:nvSpPr>
+          <p:cNvPr id="2" name="Title 1">
+            <a:extLst>
+              <a:ext uri="{FF2B5EF4-FFF2-40B4-BE49-F238E27FC236}">
+                <a16:creationId xmlns:a16="http://schemas.microsoft.com/office/drawing/2014/main" id="{AAB388DB-0E78-5461-D750-B261D951ADB8}"/>
+              </a:ext>
+            </a:extLst>
+          </p:cNvPr>
+          <p:cNvSpPr>
+            <a:spLocks noGrp="1"/>
+          </p:cNvSpPr>
+          <p:nvPr>
+            <p:ph type="title"/>
+          </p:nvPr>
+        </p:nvSpPr>
+        <p:spPr>
+          <a:xfrm>
+            <a:off x="640080" y="2074363"/>
+            <a:ext cx="2752354" cy="2709275"/>
+          </a:xfrm>
+          <a:prstGeom prst="ellipse">
+            <a:avLst/>
+          </a:prstGeom>
+          <a:solidFill>
+            <a:srgbClr val="262626"/>
+          </a:solidFill>
+          <a:ln w="174625" cmpd="thinThick">
+            <a:solidFill>
+              <a:srgbClr val="262626"/>
+            </a:solidFill>
+          </a:ln>
+        </p:spPr>
+        <p:txBody>
+          <a:bodyPr vert="horz" lIns="91440" tIns="45720" rIns="91440" bIns="45720" rtlCol="0" anchor="ctr">
+            <a:normAutofit/>
+          </a:bodyPr>
+          <a:lstStyle/>
+          <a:p>
+            <a:pPr algn="ctr"/>
+            <a:r>
+              <a:rPr lang="en-US" sz="2600" kern="1200" dirty="0">
+                <a:solidFill>
+                  <a:srgbClr val="FFFFFF"/>
+                </a:solidFill>
+                <a:latin typeface="+mj-lt"/>
+                <a:ea typeface="+mj-ea"/>
+                <a:cs typeface="+mj-cs"/>
+              </a:rPr>
+              <a:t>Top 10 IV Scores</a:t>
+            </a:r>
+          </a:p>
+        </p:txBody>
+      </p:sp>
+      <p:graphicFrame>
+        <p:nvGraphicFramePr>
+          <p:cNvPr id="25" name="Table 24">
+            <a:extLst>
+              <a:ext uri="{FF2B5EF4-FFF2-40B4-BE49-F238E27FC236}">
+                <a16:creationId xmlns:a16="http://schemas.microsoft.com/office/drawing/2014/main" id="{61759D84-6733-6DCF-D2BD-FB39A437B13B}"/>
+              </a:ext>
+            </a:extLst>
+          </p:cNvPr>
+          <p:cNvGraphicFramePr>
+            <a:graphicFrameLocks noGrp="1"/>
+          </p:cNvGraphicFramePr>
+          <p:nvPr>
+            <p:extLst>
+              <p:ext uri="{D42A27DB-BD31-4B8C-83A1-F6EECF244321}">
+                <p14:modId xmlns:p14="http://schemas.microsoft.com/office/powerpoint/2010/main" val="626987229"/>
+              </p:ext>
+            </p:extLst>
+          </p:nvPr>
+        </p:nvGraphicFramePr>
+        <p:xfrm>
+          <a:off x="4038600" y="1030204"/>
+          <a:ext cx="7188200" cy="4794207"/>
+        </p:xfrm>
+        <a:graphic>
+          <a:graphicData uri="http://schemas.openxmlformats.org/drawingml/2006/table">
+            <a:tbl>
+              <a:tblPr firstRow="1" bandRow="1">
+                <a:tableStyleId>{9D7B26C5-4107-4FEC-AEDC-1716B250A1EF}</a:tableStyleId>
+              </a:tblPr>
+              <a:tblGrid>
+                <a:gridCol w="4011355">
+                  <a:extLst>
+                    <a:ext uri="{9D8B030D-6E8A-4147-A177-3AD203B41FA5}">
+                      <a16:colId xmlns:a16="http://schemas.microsoft.com/office/drawing/2014/main" val="1420645659"/>
+                    </a:ext>
+                  </a:extLst>
+                </a:gridCol>
+                <a:gridCol w="1745419">
+                  <a:extLst>
+                    <a:ext uri="{9D8B030D-6E8A-4147-A177-3AD203B41FA5}">
+                      <a16:colId xmlns:a16="http://schemas.microsoft.com/office/drawing/2014/main" val="618457619"/>
+                    </a:ext>
+                  </a:extLst>
+                </a:gridCol>
+                <a:gridCol w="1431426">
+                  <a:extLst>
+                    <a:ext uri="{9D8B030D-6E8A-4147-A177-3AD203B41FA5}">
+                      <a16:colId xmlns:a16="http://schemas.microsoft.com/office/drawing/2014/main" val="3521843368"/>
+                    </a:ext>
+                  </a:extLst>
+                </a:gridCol>
+              </a:tblGrid>
+              <a:tr h="435837">
+                <a:tc>
+                  <a:txBody>
+                    <a:bodyPr/>
+                    <a:lstStyle/>
+                    <a:p>
+                      <a:pPr algn="ctr" fontAlgn="t"/>
+                      <a:r>
+                        <a:rPr lang="en-US" sz="2200" u="none" strike="noStrike">
+                          <a:effectLst/>
+                        </a:rPr>
+                        <a:t>Variable</a:t>
+                      </a:r>
+                      <a:endParaRPr lang="en-US" sz="2200" b="1" i="0" u="none" strike="noStrike">
+                        <a:solidFill>
+                          <a:srgbClr val="000000"/>
+                        </a:solidFill>
+                        <a:effectLst/>
+                        <a:latin typeface="Calibri" panose="020F0502020204030204" pitchFamily="34" charset="0"/>
+                      </a:endParaRPr>
+                    </a:p>
+                  </a:txBody>
+                  <a:tcPr marL="19422" marR="19422" marT="19422" marB="0" anchor="ctr"/>
+                </a:tc>
+                <a:tc>
+                  <a:txBody>
+                    <a:bodyPr/>
+                    <a:lstStyle/>
+                    <a:p>
+                      <a:pPr algn="ctr" fontAlgn="t"/>
+                      <a:r>
+                        <a:rPr lang="en-US" sz="2200" u="none" strike="noStrike">
+                          <a:effectLst/>
+                        </a:rPr>
+                        <a:t>WOE Score</a:t>
+                      </a:r>
+                      <a:endParaRPr lang="en-US" sz="2200" b="1" i="0" u="none" strike="noStrike">
+                        <a:solidFill>
+                          <a:srgbClr val="000000"/>
+                        </a:solidFill>
+                        <a:effectLst/>
+                        <a:latin typeface="Calibri" panose="020F0502020204030204" pitchFamily="34" charset="0"/>
+                      </a:endParaRPr>
+                    </a:p>
+                  </a:txBody>
+                  <a:tcPr marL="19422" marR="19422" marT="19422" marB="0" anchor="ctr"/>
+                </a:tc>
+                <a:tc>
+                  <a:txBody>
+                    <a:bodyPr/>
+                    <a:lstStyle/>
+                    <a:p>
+                      <a:pPr algn="ctr" fontAlgn="t"/>
+                      <a:r>
+                        <a:rPr lang="en-US" sz="2200" u="none" strike="noStrike">
+                          <a:effectLst/>
+                        </a:rPr>
+                        <a:t>IV Score</a:t>
+                      </a:r>
+                      <a:endParaRPr lang="en-US" sz="2200" b="1" i="0" u="none" strike="noStrike">
+                        <a:solidFill>
+                          <a:srgbClr val="000000"/>
+                        </a:solidFill>
+                        <a:effectLst/>
+                        <a:latin typeface="Calibri" panose="020F0502020204030204" pitchFamily="34" charset="0"/>
+                      </a:endParaRPr>
+                    </a:p>
+                  </a:txBody>
+                  <a:tcPr marL="19422" marR="19422" marT="19422" marB="0" anchor="ctr"/>
+                </a:tc>
+                <a:extLst>
+                  <a:ext uri="{0D108BD9-81ED-4DB2-BD59-A6C34878D82A}">
+                    <a16:rowId xmlns:a16="http://schemas.microsoft.com/office/drawing/2014/main" val="1348363049"/>
+                  </a:ext>
+                </a:extLst>
+              </a:tr>
+              <a:tr h="435837">
+                <a:tc>
+                  <a:txBody>
+                    <a:bodyPr/>
+                    <a:lstStyle/>
+                    <a:p>
+                      <a:pPr algn="ctr" fontAlgn="b"/>
+                      <a:r>
+                        <a:rPr lang="en-US" sz="2200" u="none" strike="noStrike" err="1">
+                          <a:effectLst/>
+                        </a:rPr>
+                        <a:t>month_June</a:t>
+                      </a:r>
+                      <a:endParaRPr lang="en-US" sz="2200" b="0" i="0" u="none" strike="noStrike">
+                        <a:solidFill>
+                          <a:srgbClr val="000000"/>
+                        </a:solidFill>
+                        <a:effectLst/>
+                        <a:latin typeface="Calibri" panose="020F0502020204030204" pitchFamily="34" charset="0"/>
+                      </a:endParaRPr>
+                    </a:p>
+                  </a:txBody>
+                  <a:tcPr marL="19422" marR="19422" marT="19422" marB="0" anchor="ctr"/>
+                </a:tc>
+                <a:tc>
+                  <a:txBody>
+                    <a:bodyPr/>
+                    <a:lstStyle/>
+                    <a:p>
+                      <a:pPr algn="ctr" fontAlgn="b"/>
+                      <a:r>
+                        <a:rPr lang="en-US" sz="2200" u="none" strike="noStrike">
+                          <a:effectLst/>
+                        </a:rPr>
+                        <a:t>0.169814</a:t>
+                      </a:r>
+                      <a:endParaRPr lang="en-US" sz="2200" b="0" i="0" u="none" strike="noStrike">
+                        <a:solidFill>
+                          <a:srgbClr val="000000"/>
+                        </a:solidFill>
+                        <a:effectLst/>
+                        <a:latin typeface="Calibri" panose="020F0502020204030204" pitchFamily="34" charset="0"/>
+                      </a:endParaRPr>
+                    </a:p>
+                  </a:txBody>
+                  <a:tcPr marL="19422" marR="19422" marT="19422" marB="0" anchor="ctr"/>
+                </a:tc>
+                <a:tc>
+                  <a:txBody>
+                    <a:bodyPr/>
+                    <a:lstStyle/>
+                    <a:p>
+                      <a:pPr algn="ctr" fontAlgn="b"/>
+                      <a:r>
+                        <a:rPr lang="en-US" sz="2200" u="none" strike="noStrike">
+                          <a:effectLst/>
+                        </a:rPr>
+                        <a:t>0.722502</a:t>
+                      </a:r>
+                      <a:endParaRPr lang="en-US" sz="2200" b="0" i="0" u="none" strike="noStrike">
+                        <a:solidFill>
+                          <a:srgbClr val="000000"/>
+                        </a:solidFill>
+                        <a:effectLst/>
+                        <a:latin typeface="Calibri" panose="020F0502020204030204" pitchFamily="34" charset="0"/>
+                      </a:endParaRPr>
+                    </a:p>
+                  </a:txBody>
+                  <a:tcPr marL="19422" marR="19422" marT="19422" marB="0" anchor="ctr"/>
+                </a:tc>
+                <a:extLst>
+                  <a:ext uri="{0D108BD9-81ED-4DB2-BD59-A6C34878D82A}">
+                    <a16:rowId xmlns:a16="http://schemas.microsoft.com/office/drawing/2014/main" val="3734708267"/>
+                  </a:ext>
+                </a:extLst>
+              </a:tr>
+              <a:tr h="435837">
+                <a:tc>
+                  <a:txBody>
+                    <a:bodyPr/>
+                    <a:lstStyle/>
+                    <a:p>
+                      <a:pPr algn="ctr" fontAlgn="b"/>
+                      <a:r>
+                        <a:rPr lang="en-US" sz="2200" u="none" strike="noStrike" err="1">
+                          <a:effectLst/>
+                        </a:rPr>
+                        <a:t>month_June</a:t>
+                      </a:r>
+                      <a:endParaRPr lang="en-US" sz="2200" b="0" i="0" u="none" strike="noStrike">
+                        <a:solidFill>
+                          <a:srgbClr val="000000"/>
+                        </a:solidFill>
+                        <a:effectLst/>
+                        <a:latin typeface="Calibri" panose="020F0502020204030204" pitchFamily="34" charset="0"/>
+                      </a:endParaRPr>
+                    </a:p>
+                  </a:txBody>
+                  <a:tcPr marL="19422" marR="19422" marT="19422" marB="0" anchor="ctr"/>
+                </a:tc>
+                <a:tc>
+                  <a:txBody>
+                    <a:bodyPr/>
+                    <a:lstStyle/>
+                    <a:p>
+                      <a:pPr algn="ctr" fontAlgn="b"/>
+                      <a:r>
+                        <a:rPr lang="en-US" sz="2200" u="none" strike="noStrike">
+                          <a:effectLst/>
+                        </a:rPr>
+                        <a:t>-4.46474</a:t>
+                      </a:r>
+                      <a:endParaRPr lang="en-US" sz="2200" b="0" i="0" u="none" strike="noStrike">
+                        <a:solidFill>
+                          <a:srgbClr val="000000"/>
+                        </a:solidFill>
+                        <a:effectLst/>
+                        <a:latin typeface="Calibri" panose="020F0502020204030204" pitchFamily="34" charset="0"/>
+                      </a:endParaRPr>
+                    </a:p>
+                  </a:txBody>
+                  <a:tcPr marL="19422" marR="19422" marT="19422" marB="0" anchor="ctr"/>
+                </a:tc>
+                <a:tc>
+                  <a:txBody>
+                    <a:bodyPr/>
+                    <a:lstStyle/>
+                    <a:p>
+                      <a:pPr algn="ctr" fontAlgn="b"/>
+                      <a:r>
+                        <a:rPr lang="en-US" sz="2200" u="none" strike="noStrike">
+                          <a:effectLst/>
+                        </a:rPr>
+                        <a:t>0.722502</a:t>
+                      </a:r>
+                      <a:endParaRPr lang="en-US" sz="2200" b="0" i="0" u="none" strike="noStrike">
+                        <a:solidFill>
+                          <a:srgbClr val="000000"/>
+                        </a:solidFill>
+                        <a:effectLst/>
+                        <a:latin typeface="Calibri" panose="020F0502020204030204" pitchFamily="34" charset="0"/>
+                      </a:endParaRPr>
+                    </a:p>
+                  </a:txBody>
+                  <a:tcPr marL="19422" marR="19422" marT="19422" marB="0" anchor="ctr"/>
+                </a:tc>
+                <a:extLst>
+                  <a:ext uri="{0D108BD9-81ED-4DB2-BD59-A6C34878D82A}">
+                    <a16:rowId xmlns:a16="http://schemas.microsoft.com/office/drawing/2014/main" val="2929940823"/>
+                  </a:ext>
+                </a:extLst>
+              </a:tr>
+              <a:tr h="435837">
+                <a:tc>
+                  <a:txBody>
+                    <a:bodyPr/>
+                    <a:lstStyle/>
+                    <a:p>
+                      <a:pPr algn="ctr" fontAlgn="b"/>
+                      <a:r>
+                        <a:rPr lang="en-US" sz="2200" u="none" strike="noStrike">
+                          <a:effectLst/>
+                        </a:rPr>
+                        <a:t>month_Aug</a:t>
+                      </a:r>
+                      <a:endParaRPr lang="en-US" sz="2200" b="0" i="0" u="none" strike="noStrike">
+                        <a:solidFill>
+                          <a:srgbClr val="000000"/>
+                        </a:solidFill>
+                        <a:effectLst/>
+                        <a:latin typeface="Calibri" panose="020F0502020204030204" pitchFamily="34" charset="0"/>
+                      </a:endParaRPr>
+                    </a:p>
+                  </a:txBody>
+                  <a:tcPr marL="19422" marR="19422" marT="19422" marB="0" anchor="ctr"/>
+                </a:tc>
+                <a:tc>
+                  <a:txBody>
+                    <a:bodyPr/>
+                    <a:lstStyle/>
+                    <a:p>
+                      <a:pPr algn="ctr" fontAlgn="b"/>
+                      <a:r>
+                        <a:rPr lang="en-US" sz="2200" u="none" strike="noStrike">
+                          <a:effectLst/>
+                        </a:rPr>
+                        <a:t>0.702486</a:t>
+                      </a:r>
+                      <a:endParaRPr lang="en-US" sz="2200" b="0" i="0" u="none" strike="noStrike">
+                        <a:solidFill>
+                          <a:srgbClr val="000000"/>
+                        </a:solidFill>
+                        <a:effectLst/>
+                        <a:latin typeface="Calibri" panose="020F0502020204030204" pitchFamily="34" charset="0"/>
+                      </a:endParaRPr>
+                    </a:p>
+                  </a:txBody>
+                  <a:tcPr marL="19422" marR="19422" marT="19422" marB="0" anchor="ctr"/>
+                </a:tc>
+                <a:tc>
+                  <a:txBody>
+                    <a:bodyPr/>
+                    <a:lstStyle/>
+                    <a:p>
+                      <a:pPr algn="ctr" fontAlgn="b"/>
+                      <a:r>
+                        <a:rPr lang="en-US" sz="2200" u="none" strike="noStrike">
+                          <a:effectLst/>
+                        </a:rPr>
+                        <a:t>0.497652</a:t>
+                      </a:r>
+                      <a:endParaRPr lang="en-US" sz="2200" b="0" i="0" u="none" strike="noStrike">
+                        <a:solidFill>
+                          <a:srgbClr val="000000"/>
+                        </a:solidFill>
+                        <a:effectLst/>
+                        <a:latin typeface="Calibri" panose="020F0502020204030204" pitchFamily="34" charset="0"/>
+                      </a:endParaRPr>
+                    </a:p>
+                  </a:txBody>
+                  <a:tcPr marL="19422" marR="19422" marT="19422" marB="0" anchor="ctr"/>
+                </a:tc>
+                <a:extLst>
+                  <a:ext uri="{0D108BD9-81ED-4DB2-BD59-A6C34878D82A}">
+                    <a16:rowId xmlns:a16="http://schemas.microsoft.com/office/drawing/2014/main" val="2695349028"/>
+                  </a:ext>
+                </a:extLst>
+              </a:tr>
+              <a:tr h="435837">
+                <a:tc>
+                  <a:txBody>
+                    <a:bodyPr/>
+                    <a:lstStyle/>
+                    <a:p>
+                      <a:pPr algn="ctr" fontAlgn="b"/>
+                      <a:r>
+                        <a:rPr lang="en-US" sz="2200" u="none" strike="noStrike">
+                          <a:effectLst/>
+                        </a:rPr>
+                        <a:t>month_Aug</a:t>
+                      </a:r>
+                      <a:endParaRPr lang="en-US" sz="2200" b="0" i="0" u="none" strike="noStrike">
+                        <a:solidFill>
+                          <a:srgbClr val="000000"/>
+                        </a:solidFill>
+                        <a:effectLst/>
+                        <a:latin typeface="Calibri" panose="020F0502020204030204" pitchFamily="34" charset="0"/>
+                      </a:endParaRPr>
+                    </a:p>
+                  </a:txBody>
+                  <a:tcPr marL="19422" marR="19422" marT="19422" marB="0" anchor="ctr"/>
+                </a:tc>
+                <a:tc>
+                  <a:txBody>
+                    <a:bodyPr/>
+                    <a:lstStyle/>
+                    <a:p>
+                      <a:pPr algn="ctr" fontAlgn="b"/>
+                      <a:r>
+                        <a:rPr lang="en-US" sz="2200" u="none" strike="noStrike">
+                          <a:effectLst/>
+                        </a:rPr>
+                        <a:t>-0.73879</a:t>
+                      </a:r>
+                      <a:endParaRPr lang="en-US" sz="2200" b="0" i="0" u="none" strike="noStrike">
+                        <a:solidFill>
+                          <a:srgbClr val="000000"/>
+                        </a:solidFill>
+                        <a:effectLst/>
+                        <a:latin typeface="Calibri" panose="020F0502020204030204" pitchFamily="34" charset="0"/>
+                      </a:endParaRPr>
+                    </a:p>
+                  </a:txBody>
+                  <a:tcPr marL="19422" marR="19422" marT="19422" marB="0" anchor="ctr"/>
+                </a:tc>
+                <a:tc>
+                  <a:txBody>
+                    <a:bodyPr/>
+                    <a:lstStyle/>
+                    <a:p>
+                      <a:pPr algn="ctr" fontAlgn="b"/>
+                      <a:r>
+                        <a:rPr lang="en-US" sz="2200" u="none" strike="noStrike">
+                          <a:effectLst/>
+                        </a:rPr>
+                        <a:t>0.497652</a:t>
+                      </a:r>
+                      <a:endParaRPr lang="en-US" sz="2200" b="0" i="0" u="none" strike="noStrike">
+                        <a:solidFill>
+                          <a:srgbClr val="000000"/>
+                        </a:solidFill>
+                        <a:effectLst/>
+                        <a:latin typeface="Calibri" panose="020F0502020204030204" pitchFamily="34" charset="0"/>
+                      </a:endParaRPr>
+                    </a:p>
+                  </a:txBody>
+                  <a:tcPr marL="19422" marR="19422" marT="19422" marB="0" anchor="ctr"/>
+                </a:tc>
+                <a:extLst>
+                  <a:ext uri="{0D108BD9-81ED-4DB2-BD59-A6C34878D82A}">
+                    <a16:rowId xmlns:a16="http://schemas.microsoft.com/office/drawing/2014/main" val="3958727749"/>
+                  </a:ext>
+                </a:extLst>
+              </a:tr>
+              <a:tr h="435837">
+                <a:tc>
+                  <a:txBody>
+                    <a:bodyPr/>
+                    <a:lstStyle/>
+                    <a:p>
+                      <a:pPr algn="ctr" fontAlgn="b"/>
+                      <a:r>
+                        <a:rPr lang="en-US" sz="2200" u="none" strike="noStrike">
+                          <a:effectLst/>
+                        </a:rPr>
+                        <a:t>year_2009</a:t>
+                      </a:r>
+                      <a:endParaRPr lang="en-US" sz="2200" b="0" i="0" u="none" strike="noStrike">
+                        <a:solidFill>
+                          <a:srgbClr val="000000"/>
+                        </a:solidFill>
+                        <a:effectLst/>
+                        <a:latin typeface="Calibri" panose="020F0502020204030204" pitchFamily="34" charset="0"/>
+                      </a:endParaRPr>
+                    </a:p>
+                  </a:txBody>
+                  <a:tcPr marL="19422" marR="19422" marT="19422" marB="0" anchor="ctr"/>
+                </a:tc>
+                <a:tc>
+                  <a:txBody>
+                    <a:bodyPr/>
+                    <a:lstStyle/>
+                    <a:p>
+                      <a:pPr algn="ctr" fontAlgn="b"/>
+                      <a:r>
+                        <a:rPr lang="en-US" sz="2200" u="none" strike="noStrike">
+                          <a:effectLst/>
+                        </a:rPr>
+                        <a:t>0.218522</a:t>
+                      </a:r>
+                      <a:endParaRPr lang="en-US" sz="2200" b="0" i="0" u="none" strike="noStrike">
+                        <a:solidFill>
+                          <a:srgbClr val="000000"/>
+                        </a:solidFill>
+                        <a:effectLst/>
+                        <a:latin typeface="Calibri" panose="020F0502020204030204" pitchFamily="34" charset="0"/>
+                      </a:endParaRPr>
+                    </a:p>
+                  </a:txBody>
+                  <a:tcPr marL="19422" marR="19422" marT="19422" marB="0" anchor="ctr"/>
+                </a:tc>
+                <a:tc>
+                  <a:txBody>
+                    <a:bodyPr/>
+                    <a:lstStyle/>
+                    <a:p>
+                      <a:pPr algn="ctr" fontAlgn="b"/>
+                      <a:r>
+                        <a:rPr lang="en-US" sz="2200" u="none" strike="noStrike">
+                          <a:effectLst/>
+                        </a:rPr>
+                        <a:t>0.396059</a:t>
+                      </a:r>
+                      <a:endParaRPr lang="en-US" sz="2200" b="0" i="0" u="none" strike="noStrike">
+                        <a:solidFill>
+                          <a:srgbClr val="000000"/>
+                        </a:solidFill>
+                        <a:effectLst/>
+                        <a:latin typeface="Calibri" panose="020F0502020204030204" pitchFamily="34" charset="0"/>
+                      </a:endParaRPr>
+                    </a:p>
+                  </a:txBody>
+                  <a:tcPr marL="19422" marR="19422" marT="19422" marB="0" anchor="ctr"/>
+                </a:tc>
+                <a:extLst>
+                  <a:ext uri="{0D108BD9-81ED-4DB2-BD59-A6C34878D82A}">
+                    <a16:rowId xmlns:a16="http://schemas.microsoft.com/office/drawing/2014/main" val="3088998660"/>
+                  </a:ext>
+                </a:extLst>
+              </a:tr>
+              <a:tr h="435837">
+                <a:tc>
+                  <a:txBody>
+                    <a:bodyPr/>
+                    <a:lstStyle/>
+                    <a:p>
+                      <a:pPr algn="ctr" fontAlgn="b"/>
+                      <a:r>
+                        <a:rPr lang="en-US" sz="2200" u="none" strike="noStrike">
+                          <a:effectLst/>
+                        </a:rPr>
+                        <a:t>year_2009</a:t>
+                      </a:r>
+                      <a:endParaRPr lang="en-US" sz="2200" b="0" i="0" u="none" strike="noStrike">
+                        <a:solidFill>
+                          <a:srgbClr val="000000"/>
+                        </a:solidFill>
+                        <a:effectLst/>
+                        <a:latin typeface="Calibri" panose="020F0502020204030204" pitchFamily="34" charset="0"/>
+                      </a:endParaRPr>
+                    </a:p>
+                  </a:txBody>
+                  <a:tcPr marL="19422" marR="19422" marT="19422" marB="0" anchor="ctr"/>
+                </a:tc>
+                <a:tc>
+                  <a:txBody>
+                    <a:bodyPr/>
+                    <a:lstStyle/>
+                    <a:p>
+                      <a:pPr algn="ctr" fontAlgn="b"/>
+                      <a:r>
+                        <a:rPr lang="en-US" sz="2200" u="none" strike="noStrike">
+                          <a:effectLst/>
+                        </a:rPr>
+                        <a:t>-1.87122</a:t>
+                      </a:r>
+                      <a:endParaRPr lang="en-US" sz="2200" b="0" i="0" u="none" strike="noStrike">
+                        <a:solidFill>
+                          <a:srgbClr val="000000"/>
+                        </a:solidFill>
+                        <a:effectLst/>
+                        <a:latin typeface="Calibri" panose="020F0502020204030204" pitchFamily="34" charset="0"/>
+                      </a:endParaRPr>
+                    </a:p>
+                  </a:txBody>
+                  <a:tcPr marL="19422" marR="19422" marT="19422" marB="0" anchor="ctr"/>
+                </a:tc>
+                <a:tc>
+                  <a:txBody>
+                    <a:bodyPr/>
+                    <a:lstStyle/>
+                    <a:p>
+                      <a:pPr algn="ctr" fontAlgn="b"/>
+                      <a:r>
+                        <a:rPr lang="en-US" sz="2200" u="none" strike="noStrike">
+                          <a:effectLst/>
+                        </a:rPr>
+                        <a:t>0.396059</a:t>
+                      </a:r>
+                      <a:endParaRPr lang="en-US" sz="2200" b="0" i="0" u="none" strike="noStrike">
+                        <a:solidFill>
+                          <a:srgbClr val="000000"/>
+                        </a:solidFill>
+                        <a:effectLst/>
+                        <a:latin typeface="Calibri" panose="020F0502020204030204" pitchFamily="34" charset="0"/>
+                      </a:endParaRPr>
+                    </a:p>
+                  </a:txBody>
+                  <a:tcPr marL="19422" marR="19422" marT="19422" marB="0" anchor="ctr"/>
+                </a:tc>
+                <a:extLst>
+                  <a:ext uri="{0D108BD9-81ED-4DB2-BD59-A6C34878D82A}">
+                    <a16:rowId xmlns:a16="http://schemas.microsoft.com/office/drawing/2014/main" val="4007003176"/>
+                  </a:ext>
+                </a:extLst>
+              </a:tr>
+              <a:tr h="435837">
+                <a:tc>
+                  <a:txBody>
+                    <a:bodyPr/>
+                    <a:lstStyle/>
+                    <a:p>
+                      <a:pPr algn="ctr" fontAlgn="b"/>
+                      <a:r>
+                        <a:rPr lang="en-US" sz="2200" u="none" strike="noStrike">
+                          <a:effectLst/>
+                        </a:rPr>
+                        <a:t>Species_CULEX RESTUANS</a:t>
+                      </a:r>
+                      <a:endParaRPr lang="en-US" sz="2200" b="0" i="0" u="none" strike="noStrike">
+                        <a:solidFill>
+                          <a:srgbClr val="000000"/>
+                        </a:solidFill>
+                        <a:effectLst/>
+                        <a:latin typeface="Calibri" panose="020F0502020204030204" pitchFamily="34" charset="0"/>
+                      </a:endParaRPr>
+                    </a:p>
+                  </a:txBody>
+                  <a:tcPr marL="19422" marR="19422" marT="19422" marB="0" anchor="ctr"/>
+                </a:tc>
+                <a:tc>
+                  <a:txBody>
+                    <a:bodyPr/>
+                    <a:lstStyle/>
+                    <a:p>
+                      <a:pPr algn="ctr" fontAlgn="b"/>
+                      <a:r>
+                        <a:rPr lang="en-US" sz="2200" u="none" strike="noStrike">
+                          <a:effectLst/>
+                        </a:rPr>
+                        <a:t>-1.11175</a:t>
+                      </a:r>
+                      <a:endParaRPr lang="en-US" sz="2200" b="0" i="0" u="none" strike="noStrike">
+                        <a:solidFill>
+                          <a:srgbClr val="000000"/>
+                        </a:solidFill>
+                        <a:effectLst/>
+                        <a:latin typeface="Calibri" panose="020F0502020204030204" pitchFamily="34" charset="0"/>
+                      </a:endParaRPr>
+                    </a:p>
+                  </a:txBody>
+                  <a:tcPr marL="19422" marR="19422" marT="19422" marB="0" anchor="ctr"/>
+                </a:tc>
+                <a:tc>
+                  <a:txBody>
+                    <a:bodyPr/>
+                    <a:lstStyle/>
+                    <a:p>
+                      <a:pPr algn="ctr" fontAlgn="b"/>
+                      <a:r>
+                        <a:rPr lang="en-US" sz="2200" u="none" strike="noStrike">
+                          <a:effectLst/>
+                        </a:rPr>
+                        <a:t>0.241927</a:t>
+                      </a:r>
+                      <a:endParaRPr lang="en-US" sz="2200" b="0" i="0" u="none" strike="noStrike">
+                        <a:solidFill>
+                          <a:srgbClr val="000000"/>
+                        </a:solidFill>
+                        <a:effectLst/>
+                        <a:latin typeface="Calibri" panose="020F0502020204030204" pitchFamily="34" charset="0"/>
+                      </a:endParaRPr>
+                    </a:p>
+                  </a:txBody>
+                  <a:tcPr marL="19422" marR="19422" marT="19422" marB="0" anchor="ctr"/>
+                </a:tc>
+                <a:extLst>
+                  <a:ext uri="{0D108BD9-81ED-4DB2-BD59-A6C34878D82A}">
+                    <a16:rowId xmlns:a16="http://schemas.microsoft.com/office/drawing/2014/main" val="3739605253"/>
+                  </a:ext>
+                </a:extLst>
+              </a:tr>
+              <a:tr h="435837">
+                <a:tc>
+                  <a:txBody>
+                    <a:bodyPr/>
+                    <a:lstStyle/>
+                    <a:p>
+                      <a:pPr algn="ctr" fontAlgn="b"/>
+                      <a:r>
+                        <a:rPr lang="en-US" sz="2200" u="none" strike="noStrike">
+                          <a:effectLst/>
+                        </a:rPr>
+                        <a:t>Species_CULEX RESTUANS</a:t>
+                      </a:r>
+                      <a:endParaRPr lang="en-US" sz="2200" b="0" i="0" u="none" strike="noStrike">
+                        <a:solidFill>
+                          <a:srgbClr val="000000"/>
+                        </a:solidFill>
+                        <a:effectLst/>
+                        <a:latin typeface="Calibri" panose="020F0502020204030204" pitchFamily="34" charset="0"/>
+                      </a:endParaRPr>
+                    </a:p>
+                  </a:txBody>
+                  <a:tcPr marL="19422" marR="19422" marT="19422" marB="0" anchor="ctr"/>
+                </a:tc>
+                <a:tc>
+                  <a:txBody>
+                    <a:bodyPr/>
+                    <a:lstStyle/>
+                    <a:p>
+                      <a:pPr algn="ctr" fontAlgn="b"/>
+                      <a:r>
+                        <a:rPr lang="en-US" sz="2200" u="none" strike="noStrike">
+                          <a:effectLst/>
+                        </a:rPr>
+                        <a:t>0.22201</a:t>
+                      </a:r>
+                      <a:endParaRPr lang="en-US" sz="2200" b="0" i="0" u="none" strike="noStrike">
+                        <a:solidFill>
+                          <a:srgbClr val="000000"/>
+                        </a:solidFill>
+                        <a:effectLst/>
+                        <a:latin typeface="Calibri" panose="020F0502020204030204" pitchFamily="34" charset="0"/>
+                      </a:endParaRPr>
+                    </a:p>
+                  </a:txBody>
+                  <a:tcPr marL="19422" marR="19422" marT="19422" marB="0" anchor="ctr"/>
+                </a:tc>
+                <a:tc>
+                  <a:txBody>
+                    <a:bodyPr/>
+                    <a:lstStyle/>
+                    <a:p>
+                      <a:pPr algn="ctr" fontAlgn="b"/>
+                      <a:r>
+                        <a:rPr lang="en-US" sz="2200" u="none" strike="noStrike">
+                          <a:effectLst/>
+                        </a:rPr>
+                        <a:t>0.241927</a:t>
+                      </a:r>
+                      <a:endParaRPr lang="en-US" sz="2200" b="0" i="0" u="none" strike="noStrike">
+                        <a:solidFill>
+                          <a:srgbClr val="000000"/>
+                        </a:solidFill>
+                        <a:effectLst/>
+                        <a:latin typeface="Calibri" panose="020F0502020204030204" pitchFamily="34" charset="0"/>
+                      </a:endParaRPr>
+                    </a:p>
+                  </a:txBody>
+                  <a:tcPr marL="19422" marR="19422" marT="19422" marB="0" anchor="ctr"/>
+                </a:tc>
+                <a:extLst>
+                  <a:ext uri="{0D108BD9-81ED-4DB2-BD59-A6C34878D82A}">
+                    <a16:rowId xmlns:a16="http://schemas.microsoft.com/office/drawing/2014/main" val="1122760193"/>
+                  </a:ext>
+                </a:extLst>
+              </a:tr>
+              <a:tr h="435837">
+                <a:tc>
+                  <a:txBody>
+                    <a:bodyPr/>
+                    <a:lstStyle/>
+                    <a:p>
+                      <a:pPr algn="ctr" fontAlgn="b"/>
+                      <a:r>
+                        <a:rPr lang="en-US" sz="2200" u="none" strike="noStrike">
+                          <a:effectLst/>
+                        </a:rPr>
+                        <a:t>month_July</a:t>
+                      </a:r>
+                      <a:endParaRPr lang="en-US" sz="2200" b="0" i="0" u="none" strike="noStrike">
+                        <a:solidFill>
+                          <a:srgbClr val="000000"/>
+                        </a:solidFill>
+                        <a:effectLst/>
+                        <a:latin typeface="Calibri" panose="020F0502020204030204" pitchFamily="34" charset="0"/>
+                      </a:endParaRPr>
+                    </a:p>
+                  </a:txBody>
+                  <a:tcPr marL="19422" marR="19422" marT="19422" marB="0" anchor="ctr"/>
+                </a:tc>
+                <a:tc>
+                  <a:txBody>
+                    <a:bodyPr/>
+                    <a:lstStyle/>
+                    <a:p>
+                      <a:pPr algn="ctr" fontAlgn="b"/>
+                      <a:r>
+                        <a:rPr lang="en-US" sz="2200" u="none" strike="noStrike">
+                          <a:effectLst/>
+                        </a:rPr>
+                        <a:t>0.210094</a:t>
+                      </a:r>
+                      <a:endParaRPr lang="en-US" sz="2200" b="0" i="0" u="none" strike="noStrike">
+                        <a:solidFill>
+                          <a:srgbClr val="000000"/>
+                        </a:solidFill>
+                        <a:effectLst/>
+                        <a:latin typeface="Calibri" panose="020F0502020204030204" pitchFamily="34" charset="0"/>
+                      </a:endParaRPr>
+                    </a:p>
+                  </a:txBody>
+                  <a:tcPr marL="19422" marR="19422" marT="19422" marB="0" anchor="ctr"/>
+                </a:tc>
+                <a:tc>
+                  <a:txBody>
+                    <a:bodyPr/>
+                    <a:lstStyle/>
+                    <a:p>
+                      <a:pPr algn="ctr" fontAlgn="b"/>
+                      <a:r>
+                        <a:rPr lang="en-US" sz="2200" u="none" strike="noStrike">
+                          <a:effectLst/>
+                        </a:rPr>
+                        <a:t>0.231874</a:t>
+                      </a:r>
+                      <a:endParaRPr lang="en-US" sz="2200" b="0" i="0" u="none" strike="noStrike">
+                        <a:solidFill>
+                          <a:srgbClr val="000000"/>
+                        </a:solidFill>
+                        <a:effectLst/>
+                        <a:latin typeface="Calibri" panose="020F0502020204030204" pitchFamily="34" charset="0"/>
+                      </a:endParaRPr>
+                    </a:p>
+                  </a:txBody>
+                  <a:tcPr marL="19422" marR="19422" marT="19422" marB="0" anchor="ctr"/>
+                </a:tc>
+                <a:extLst>
+                  <a:ext uri="{0D108BD9-81ED-4DB2-BD59-A6C34878D82A}">
+                    <a16:rowId xmlns:a16="http://schemas.microsoft.com/office/drawing/2014/main" val="1630992545"/>
+                  </a:ext>
+                </a:extLst>
+              </a:tr>
+              <a:tr h="435837">
+                <a:tc>
+                  <a:txBody>
+                    <a:bodyPr/>
+                    <a:lstStyle/>
+                    <a:p>
+                      <a:pPr algn="ctr" fontAlgn="b"/>
+                      <a:r>
+                        <a:rPr lang="en-US" sz="2200" u="none" strike="noStrike">
+                          <a:effectLst/>
+                        </a:rPr>
+                        <a:t>month_July</a:t>
+                      </a:r>
+                      <a:endParaRPr lang="en-US" sz="2200" b="0" i="0" u="none" strike="noStrike">
+                        <a:solidFill>
+                          <a:srgbClr val="000000"/>
+                        </a:solidFill>
+                        <a:effectLst/>
+                        <a:latin typeface="Calibri" panose="020F0502020204030204" pitchFamily="34" charset="0"/>
+                      </a:endParaRPr>
+                    </a:p>
+                  </a:txBody>
+                  <a:tcPr marL="19422" marR="19422" marT="19422" marB="0" anchor="ctr"/>
+                </a:tc>
+                <a:tc>
+                  <a:txBody>
+                    <a:bodyPr/>
+                    <a:lstStyle/>
+                    <a:p>
+                      <a:pPr algn="ctr" fontAlgn="b"/>
+                      <a:r>
+                        <a:rPr lang="en-US" sz="2200" u="none" strike="noStrike">
+                          <a:effectLst/>
+                        </a:rPr>
+                        <a:t>-1.12503</a:t>
+                      </a:r>
+                      <a:endParaRPr lang="en-US" sz="2200" b="0" i="0" u="none" strike="noStrike">
+                        <a:solidFill>
+                          <a:srgbClr val="000000"/>
+                        </a:solidFill>
+                        <a:effectLst/>
+                        <a:latin typeface="Calibri" panose="020F0502020204030204" pitchFamily="34" charset="0"/>
+                      </a:endParaRPr>
+                    </a:p>
+                  </a:txBody>
+                  <a:tcPr marL="19422" marR="19422" marT="19422" marB="0" anchor="ctr"/>
+                </a:tc>
+                <a:tc>
+                  <a:txBody>
+                    <a:bodyPr/>
+                    <a:lstStyle/>
+                    <a:p>
+                      <a:pPr algn="ctr" fontAlgn="b"/>
+                      <a:r>
+                        <a:rPr lang="en-US" sz="2200" u="none" strike="noStrike">
+                          <a:effectLst/>
+                        </a:rPr>
+                        <a:t>0.231874</a:t>
+                      </a:r>
+                      <a:endParaRPr lang="en-US" sz="2200" b="0" i="0" u="none" strike="noStrike">
+                        <a:solidFill>
+                          <a:srgbClr val="000000"/>
+                        </a:solidFill>
+                        <a:effectLst/>
+                        <a:latin typeface="Calibri" panose="020F0502020204030204" pitchFamily="34" charset="0"/>
+                      </a:endParaRPr>
+                    </a:p>
+                  </a:txBody>
+                  <a:tcPr marL="19422" marR="19422" marT="19422" marB="0" anchor="ctr"/>
+                </a:tc>
+                <a:extLst>
+                  <a:ext uri="{0D108BD9-81ED-4DB2-BD59-A6C34878D82A}">
+                    <a16:rowId xmlns:a16="http://schemas.microsoft.com/office/drawing/2014/main" val="3653506255"/>
+                  </a:ext>
+                </a:extLst>
+              </a:tr>
+            </a:tbl>
+          </a:graphicData>
+        </a:graphic>
+      </p:graphicFrame>
+    </p:spTree>
+    <p:extLst>
+      <p:ext uri="{BB962C8B-B14F-4D97-AF65-F5344CB8AC3E}">
+        <p14:creationId xmlns:p14="http://schemas.microsoft.com/office/powerpoint/2010/main" val="1926529505"/>
+      </p:ext>
+    </p:extLst>
+  </p:cSld>
+  <p:clrMapOvr>
+    <a:masterClrMapping/>
+  </p:clrMapOvr>
+</p:sld>
+</file>
+
+<file path=ppt/slides/slide7.xml><?xml version="1.0" encoding="utf-8"?>
+<p:sld xmlns:a="http://schemas.openxmlformats.org/drawingml/2006/main" xmlns:r="http://schemas.openxmlformats.org/officeDocument/2006/relationships" xmlns:p="http://schemas.openxmlformats.org/presentationml/2006/main">
+  <p:cSld>
+    <p:bg>
+      <p:bgPr>
+        <a:solidFill>
+          <a:schemeClr val="bg1"/>
+        </a:solidFill>
+        <a:effectLst/>
+      </p:bgPr>
+    </p:bg>
+    <p:spTree>
+      <p:nvGrpSpPr>
+        <p:cNvPr id="1" name=""/>
+        <p:cNvGrpSpPr/>
+        <p:nvPr/>
+      </p:nvGrpSpPr>
+      <p:grpSpPr>
+        <a:xfrm>
+          <a:off x="0" y="0"/>
+          <a:ext cx="0" cy="0"/>
+          <a:chOff x="0" y="0"/>
+          <a:chExt cx="0" cy="0"/>
+        </a:xfrm>
+      </p:grpSpPr>
+      <p:sp>
+        <p:nvSpPr>
+          <p:cNvPr id="10" name="Rectangle 9">
+            <a:extLst>
+              <a:ext uri="{FF2B5EF4-FFF2-40B4-BE49-F238E27FC236}">
+                <a16:creationId xmlns:a16="http://schemas.microsoft.com/office/drawing/2014/main" id="{ADF2AA3E-C714-4E8D-9F46-9E6FFF7FBA36}"/>
+              </a:ext>
+              <a:ext uri="{C183D7F6-B498-43B3-948B-1728B52AA6E4}">
+                <adec:decorative xmlns:adec="http://schemas.microsoft.com/office/drawing/2017/decorative" val="1"/>
+              </a:ext>
+            </a:extLst>
+          </p:cNvPr>
+          <p:cNvSpPr>
+            <a:spLocks noGrp="1" noRot="1" noChangeAspect="1" noMove="1" noResize="1" noEditPoints="1" noAdjustHandles="1" noChangeArrowheads="1" noChangeShapeType="1" noTextEdit="1"/>
+          </p:cNvSpPr>
+          <p:nvPr>
+            <p:extLst>
+              <p:ext uri="{386F3935-93C4-4BCD-93E2-E3B085C9AB24}">
+                <p16:designElem xmlns:p16="http://schemas.microsoft.com/office/powerpoint/2015/main" val="1"/>
+              </p:ext>
+            </p:extLst>
+          </p:nvPr>
+        </p:nvSpPr>
+        <p:spPr bwMode="ltGray">
+          <a:xfrm>
+            <a:off x="393308" y="338328"/>
+            <a:ext cx="11438793" cy="1577725"/>
+          </a:xfrm>
+          <a:prstGeom prst="rect">
+            <a:avLst/>
+          </a:prstGeom>
+          <a:solidFill>
+            <a:schemeClr val="tx1">
+              <a:lumMod val="75000"/>
+              <a:lumOff val="25000"/>
+            </a:schemeClr>
+          </a:solidFill>
+          <a:ln w="127000" cap="sq" cmpd="thinThick">
+            <a:solidFill>
+              <a:schemeClr val="tx1">
+                <a:lumMod val="75000"/>
+                <a:lumOff val="25000"/>
+              </a:schemeClr>
+            </a:solidFill>
+          </a:ln>
+        </p:spPr>
+        <p:style>
+          <a:lnRef idx="2">
+            <a:schemeClr val="accent1">
+              <a:shade val="50000"/>
+            </a:schemeClr>
+          </a:lnRef>
+          <a:fillRef idx="1">
+            <a:schemeClr val="accent1"/>
+          </a:fillRef>
+          <a:effectRef idx="0">
+            <a:schemeClr val="accent1"/>
+          </a:effectRef>
+          <a:fontRef idx="minor">
+            <a:schemeClr val="lt1"/>
+          </a:fontRef>
+        </p:style>
+        <p:txBody>
+          <a:bodyPr rtlCol="0" anchor="ctr"/>
+          <a:lstStyle/>
+          <a:p>
+            <a:pPr marL="0" marR="0" lvl="0" indent="0" algn="ctr" defTabSz="914400" rtl="0" eaLnBrk="1" fontAlgn="auto" latinLnBrk="0" hangingPunct="1">
+              <a:lnSpc>
+                <a:spcPct val="100000"/>
+              </a:lnSpc>
+              <a:spcBef>
+                <a:spcPts val="0"/>
+              </a:spcBef>
+              <a:spcAft>
+                <a:spcPts val="0"/>
+              </a:spcAft>
+              <a:buClrTx/>
+              <a:buSzTx/>
+              <a:buFontTx/>
+              <a:buNone/>
+              <a:tabLst/>
+              <a:defRPr/>
+            </a:pPr>
+            <a:endParaRPr kumimoji="0" lang="en-US" sz="1800" b="0" i="0" u="none" strike="noStrike" kern="1200" cap="none" spc="0" normalizeH="0" baseline="0" noProof="0">
+              <a:ln>
+                <a:noFill/>
+              </a:ln>
+              <a:solidFill>
+                <a:prstClr val="white"/>
+              </a:solidFill>
+              <a:effectLst/>
+              <a:uLnTx/>
+              <a:uFillTx/>
+              <a:latin typeface="Calibri" panose="020F0502020204030204"/>
+              <a:ea typeface="+mn-ea"/>
+              <a:cs typeface="+mn-cs"/>
+            </a:endParaRPr>
+          </a:p>
+        </p:txBody>
+      </p:sp>
+      <p:sp>
+        <p:nvSpPr>
+          <p:cNvPr id="2" name="Title 1">
+            <a:extLst>
+              <a:ext uri="{FF2B5EF4-FFF2-40B4-BE49-F238E27FC236}">
+                <a16:creationId xmlns:a16="http://schemas.microsoft.com/office/drawing/2014/main" id="{64DDDFB9-B8B7-16BA-2463-7E9D5DC5D42E}"/>
+              </a:ext>
+            </a:extLst>
+          </p:cNvPr>
+          <p:cNvSpPr>
+            <a:spLocks noGrp="1"/>
+          </p:cNvSpPr>
+          <p:nvPr>
+            <p:ph type="title"/>
+          </p:nvPr>
+        </p:nvSpPr>
+        <p:spPr>
+          <a:xfrm>
+            <a:off x="838200" y="467541"/>
+            <a:ext cx="10515600" cy="1325563"/>
+          </a:xfrm>
+        </p:spPr>
+        <p:txBody>
+          <a:bodyPr>
+            <a:normAutofit/>
+          </a:bodyPr>
+          <a:lstStyle/>
+          <a:p>
+            <a:r>
+              <a:rPr lang="en-US">
+                <a:solidFill>
+                  <a:schemeClr val="bg1"/>
+                </a:solidFill>
+              </a:rPr>
+              <a:t>Tested Algorithms</a:t>
+            </a:r>
+          </a:p>
+        </p:txBody>
+      </p:sp>
+      <p:graphicFrame>
+        <p:nvGraphicFramePr>
+          <p:cNvPr id="5" name="Content Placeholder 4">
+            <a:extLst>
+              <a:ext uri="{FF2B5EF4-FFF2-40B4-BE49-F238E27FC236}">
+                <a16:creationId xmlns:a16="http://schemas.microsoft.com/office/drawing/2014/main" id="{2AF31FC2-A4F4-CB70-0E23-E6BA23D14C86}"/>
+              </a:ext>
+            </a:extLst>
+          </p:cNvPr>
+          <p:cNvGraphicFramePr>
+            <a:graphicFrameLocks noGrp="1"/>
+          </p:cNvGraphicFramePr>
+          <p:nvPr>
+            <p:ph idx="1"/>
+            <p:extLst>
+              <p:ext uri="{D42A27DB-BD31-4B8C-83A1-F6EECF244321}">
+                <p14:modId xmlns:p14="http://schemas.microsoft.com/office/powerpoint/2010/main" val="2394594797"/>
+              </p:ext>
+            </p:extLst>
+          </p:nvPr>
+        </p:nvGraphicFramePr>
+        <p:xfrm>
+          <a:off x="838200" y="2045266"/>
+          <a:ext cx="5257800" cy="4474406"/>
+        </p:xfrm>
+        <a:graphic>
+          <a:graphicData uri="http://schemas.openxmlformats.org/drawingml/2006/table">
+            <a:tbl>
+              <a:tblPr firstRow="1">
+                <a:tableStyleId>{1FECB4D8-DB02-4DC6-A0A2-4F2EBAE1DC90}</a:tableStyleId>
+              </a:tblPr>
+              <a:tblGrid>
+                <a:gridCol w="3861088">
+                  <a:extLst>
+                    <a:ext uri="{9D8B030D-6E8A-4147-A177-3AD203B41FA5}">
+                      <a16:colId xmlns:a16="http://schemas.microsoft.com/office/drawing/2014/main" val="3937904321"/>
+                    </a:ext>
+                  </a:extLst>
+                </a:gridCol>
+                <a:gridCol w="1396712">
+                  <a:extLst>
+                    <a:ext uri="{9D8B030D-6E8A-4147-A177-3AD203B41FA5}">
+                      <a16:colId xmlns:a16="http://schemas.microsoft.com/office/drawing/2014/main" val="3852257195"/>
+                    </a:ext>
+                  </a:extLst>
+                </a:gridCol>
+              </a:tblGrid>
+              <a:tr h="1462566">
+                <a:tc>
+                  <a:txBody>
+                    <a:bodyPr/>
+                    <a:lstStyle/>
+                    <a:p>
+                      <a:pPr algn="ctr" fontAlgn="t"/>
+                      <a:r>
+                        <a:rPr lang="en-US" sz="3300" u="none" strike="noStrike" dirty="0">
+                          <a:effectLst/>
+                        </a:rPr>
+                        <a:t>Model</a:t>
+                      </a:r>
+                      <a:endParaRPr lang="en-US" sz="3300" b="1" i="0" u="none" strike="noStrike" dirty="0">
+                        <a:solidFill>
+                          <a:srgbClr val="000000"/>
+                        </a:solidFill>
+                        <a:effectLst/>
+                        <a:latin typeface="Calibri" panose="020F0502020204030204" pitchFamily="34" charset="0"/>
+                      </a:endParaRPr>
+                    </a:p>
+                  </a:txBody>
+                  <a:tcPr marL="13097" marR="13097" marT="13097" marB="0" anchor="ctr"/>
+                </a:tc>
+                <a:tc>
+                  <a:txBody>
+                    <a:bodyPr/>
+                    <a:lstStyle/>
+                    <a:p>
+                      <a:pPr algn="ctr" fontAlgn="t"/>
+                      <a:r>
+                        <a:rPr lang="en-US" sz="3300" u="none" strike="noStrike">
+                          <a:effectLst/>
+                        </a:rPr>
+                        <a:t>AUC Score</a:t>
+                      </a:r>
+                      <a:endParaRPr lang="en-US" sz="3300" b="1" i="0" u="none" strike="noStrike">
+                        <a:solidFill>
+                          <a:srgbClr val="000000"/>
+                        </a:solidFill>
+                        <a:effectLst/>
+                        <a:latin typeface="Calibri" panose="020F0502020204030204" pitchFamily="34" charset="0"/>
+                      </a:endParaRPr>
+                    </a:p>
+                  </a:txBody>
+                  <a:tcPr marL="13097" marR="13097" marT="13097" marB="0" anchor="ctr"/>
+                </a:tc>
+                <a:extLst>
+                  <a:ext uri="{0D108BD9-81ED-4DB2-BD59-A6C34878D82A}">
+                    <a16:rowId xmlns:a16="http://schemas.microsoft.com/office/drawing/2014/main" val="1317928767"/>
+                  </a:ext>
+                </a:extLst>
+              </a:tr>
+              <a:tr h="774637">
+                <a:tc>
+                  <a:txBody>
+                    <a:bodyPr/>
+                    <a:lstStyle/>
+                    <a:p>
+                      <a:pPr algn="ctr" fontAlgn="b"/>
+                      <a:r>
+                        <a:rPr lang="en-US" sz="3300" u="none" strike="noStrike">
+                          <a:effectLst/>
+                        </a:rPr>
+                        <a:t>Linear Regression</a:t>
+                      </a:r>
+                      <a:endParaRPr lang="en-US" sz="3300" b="0" i="0" u="none" strike="noStrike">
+                        <a:solidFill>
+                          <a:srgbClr val="000000"/>
+                        </a:solidFill>
+                        <a:effectLst/>
+                        <a:latin typeface="Calibri" panose="020F0502020204030204" pitchFamily="34" charset="0"/>
+                      </a:endParaRPr>
+                    </a:p>
+                  </a:txBody>
+                  <a:tcPr marL="13097" marR="13097" marT="13097" marB="0" anchor="ctr"/>
+                </a:tc>
+                <a:tc>
+                  <a:txBody>
+                    <a:bodyPr/>
+                    <a:lstStyle/>
+                    <a:p>
+                      <a:pPr algn="ctr" fontAlgn="b"/>
+                      <a:r>
+                        <a:rPr lang="en-US" sz="3300" u="none" strike="noStrike" dirty="0">
+                          <a:effectLst/>
+                        </a:rPr>
+                        <a:t>0.50</a:t>
+                      </a:r>
+                      <a:endParaRPr lang="en-US" sz="3300" b="0" i="0" u="none" strike="noStrike" dirty="0">
+                        <a:solidFill>
+                          <a:srgbClr val="000000"/>
+                        </a:solidFill>
+                        <a:effectLst/>
+                        <a:latin typeface="Calibri" panose="020F0502020204030204" pitchFamily="34" charset="0"/>
+                      </a:endParaRPr>
+                    </a:p>
+                  </a:txBody>
+                  <a:tcPr marL="13097" marR="13097" marT="13097" marB="0" anchor="ctr"/>
+                </a:tc>
+                <a:extLst>
+                  <a:ext uri="{0D108BD9-81ED-4DB2-BD59-A6C34878D82A}">
+                    <a16:rowId xmlns:a16="http://schemas.microsoft.com/office/drawing/2014/main" val="813194000"/>
+                  </a:ext>
+                </a:extLst>
+              </a:tr>
+              <a:tr h="1462566">
+                <a:tc>
+                  <a:txBody>
+                    <a:bodyPr/>
+                    <a:lstStyle/>
+                    <a:p>
+                      <a:pPr algn="ctr" fontAlgn="b"/>
+                      <a:r>
+                        <a:rPr lang="en-US" sz="3300" u="none" strike="noStrike">
+                          <a:effectLst/>
+                        </a:rPr>
+                        <a:t>Random Forest Classifier</a:t>
+                      </a:r>
+                      <a:endParaRPr lang="en-US" sz="3300" b="0" i="0" u="none" strike="noStrike">
+                        <a:solidFill>
+                          <a:srgbClr val="000000"/>
+                        </a:solidFill>
+                        <a:effectLst/>
+                        <a:latin typeface="Calibri" panose="020F0502020204030204" pitchFamily="34" charset="0"/>
+                      </a:endParaRPr>
+                    </a:p>
+                  </a:txBody>
+                  <a:tcPr marL="13097" marR="13097" marT="13097" marB="0" anchor="ctr"/>
+                </a:tc>
+                <a:tc>
+                  <a:txBody>
+                    <a:bodyPr/>
+                    <a:lstStyle/>
+                    <a:p>
+                      <a:pPr algn="ctr" fontAlgn="b"/>
+                      <a:r>
+                        <a:rPr lang="en-US" sz="3300" u="none" strike="noStrike">
+                          <a:effectLst/>
+                        </a:rPr>
+                        <a:t>0.57</a:t>
+                      </a:r>
+                      <a:endParaRPr lang="en-US" sz="3300" b="0" i="0" u="none" strike="noStrike">
+                        <a:solidFill>
+                          <a:srgbClr val="000000"/>
+                        </a:solidFill>
+                        <a:effectLst/>
+                        <a:latin typeface="Calibri" panose="020F0502020204030204" pitchFamily="34" charset="0"/>
+                      </a:endParaRPr>
+                    </a:p>
+                  </a:txBody>
+                  <a:tcPr marL="13097" marR="13097" marT="13097" marB="0" anchor="ctr"/>
+                </a:tc>
+                <a:extLst>
+                  <a:ext uri="{0D108BD9-81ED-4DB2-BD59-A6C34878D82A}">
+                    <a16:rowId xmlns:a16="http://schemas.microsoft.com/office/drawing/2014/main" val="1255309910"/>
+                  </a:ext>
+                </a:extLst>
+              </a:tr>
+              <a:tr h="774637">
+                <a:tc>
+                  <a:txBody>
+                    <a:bodyPr/>
+                    <a:lstStyle/>
+                    <a:p>
+                      <a:pPr algn="ctr" fontAlgn="b"/>
+                      <a:r>
+                        <a:rPr lang="en-US" sz="3300" u="none" strike="noStrike">
+                          <a:effectLst/>
+                        </a:rPr>
+                        <a:t>XGBoost</a:t>
+                      </a:r>
+                      <a:endParaRPr lang="en-US" sz="3300" b="0" i="0" u="none" strike="noStrike">
+                        <a:solidFill>
+                          <a:srgbClr val="000000"/>
+                        </a:solidFill>
+                        <a:effectLst/>
+                        <a:latin typeface="Calibri" panose="020F0502020204030204" pitchFamily="34" charset="0"/>
+                      </a:endParaRPr>
+                    </a:p>
+                  </a:txBody>
+                  <a:tcPr marL="13097" marR="13097" marT="13097" marB="0" anchor="ctr"/>
+                </a:tc>
+                <a:tc>
+                  <a:txBody>
+                    <a:bodyPr/>
+                    <a:lstStyle/>
+                    <a:p>
+                      <a:pPr algn="ctr" fontAlgn="b"/>
+                      <a:r>
+                        <a:rPr lang="en-US" sz="3300" u="none" strike="noStrike" dirty="0">
+                          <a:effectLst/>
+                        </a:rPr>
+                        <a:t>0.77</a:t>
+                      </a:r>
+                      <a:endParaRPr lang="en-US" sz="3300" b="0" i="0" u="none" strike="noStrike" dirty="0">
+                        <a:solidFill>
+                          <a:srgbClr val="000000"/>
+                        </a:solidFill>
+                        <a:effectLst/>
+                        <a:latin typeface="Calibri" panose="020F0502020204030204" pitchFamily="34" charset="0"/>
+                      </a:endParaRPr>
+                    </a:p>
+                  </a:txBody>
+                  <a:tcPr marL="13097" marR="13097" marT="13097" marB="0" anchor="ctr"/>
+                </a:tc>
+                <a:extLst>
+                  <a:ext uri="{0D108BD9-81ED-4DB2-BD59-A6C34878D82A}">
+                    <a16:rowId xmlns:a16="http://schemas.microsoft.com/office/drawing/2014/main" val="4156512560"/>
+                  </a:ext>
+                </a:extLst>
+              </a:tr>
+            </a:tbl>
+          </a:graphicData>
+        </a:graphic>
+      </p:graphicFrame>
+      <p:pic>
+        <p:nvPicPr>
+          <p:cNvPr id="14" name="Picture 13" descr="Chart, bar chart&#10;&#10;Description automatically generated">
+            <a:extLst>
+              <a:ext uri="{FF2B5EF4-FFF2-40B4-BE49-F238E27FC236}">
+                <a16:creationId xmlns:a16="http://schemas.microsoft.com/office/drawing/2014/main" id="{1D50BB36-3DB6-25DE-2D55-59030DAE6E1A}"/>
+              </a:ext>
+            </a:extLst>
+          </p:cNvPr>
+          <p:cNvPicPr>
+            <a:picLocks noChangeAspect="1"/>
+          </p:cNvPicPr>
+          <p:nvPr/>
+        </p:nvPicPr>
+        <p:blipFill>
+          <a:blip r:embed="rId2"/>
+          <a:stretch>
+            <a:fillRect/>
+          </a:stretch>
+        </p:blipFill>
+        <p:spPr>
+          <a:xfrm>
+            <a:off x="6705600" y="2053914"/>
+            <a:ext cx="4648200" cy="4495800"/>
+          </a:xfrm>
+          <a:prstGeom prst="rect">
+            <a:avLst/>
+          </a:prstGeom>
+        </p:spPr>
+      </p:pic>
+    </p:spTree>
+    <p:extLst>
+      <p:ext uri="{BB962C8B-B14F-4D97-AF65-F5344CB8AC3E}">
+        <p14:creationId xmlns:p14="http://schemas.microsoft.com/office/powerpoint/2010/main" val="3907230961"/>
+      </p:ext>
+    </p:extLst>
+  </p:cSld>
+  <p:clrMapOvr>
+    <a:masterClrMapping/>
+  </p:clrMapOvr>
+</p:sld>
+</file>
+
+<file path=ppt/slides/slide8.xml><?xml version="1.0" encoding="utf-8"?>
+<p:sld xmlns:a="http://schemas.openxmlformats.org/drawingml/2006/main" xmlns:r="http://schemas.openxmlformats.org/officeDocument/2006/relationships" xmlns:p="http://schemas.openxmlformats.org/presentationml/2006/main">
+  <p:cSld>
+    <p:bg>
+      <p:bgPr>
+        <a:solidFill>
+          <a:schemeClr val="bg1"/>
+        </a:solidFill>
+        <a:effectLst/>
+      </p:bgPr>
+    </p:bg>
+    <p:spTree>
+      <p:nvGrpSpPr>
+        <p:cNvPr id="1" name=""/>
+        <p:cNvGrpSpPr/>
+        <p:nvPr/>
+      </p:nvGrpSpPr>
+      <p:grpSpPr>
+        <a:xfrm>
+          <a:off x="0" y="0"/>
+          <a:ext cx="0" cy="0"/>
+          <a:chOff x="0" y="0"/>
+          <a:chExt cx="0" cy="0"/>
+        </a:xfrm>
+      </p:grpSpPr>
+      <p:sp>
+        <p:nvSpPr>
+          <p:cNvPr id="10" name="Down Arrow 7">
+            <a:extLst>
+              <a:ext uri="{FF2B5EF4-FFF2-40B4-BE49-F238E27FC236}">
+                <a16:creationId xmlns:a16="http://schemas.microsoft.com/office/drawing/2014/main" id="{D4771268-CB57-404A-9271-370EB28F6090}"/>
+              </a:ext>
+              <a:ext uri="{C183D7F6-B498-43B3-948B-1728B52AA6E4}">
+                <adec:decorative xmlns:adec="http://schemas.microsoft.com/office/drawing/2017/decorative" val="1"/>
+              </a:ext>
+            </a:extLst>
+          </p:cNvPr>
+          <p:cNvSpPr>
+            <a:spLocks noGrp="1" noRot="1" noChangeAspect="1" noMove="1" noResize="1" noEditPoints="1" noAdjustHandles="1" noChangeArrowheads="1" noChangeShapeType="1" noTextEdit="1"/>
+          </p:cNvSpPr>
+          <p:nvPr>
+            <p:extLst>
+              <p:ext uri="{386F3935-93C4-4BCD-93E2-E3B085C9AB24}">
+                <p16:designElem xmlns:p16="http://schemas.microsoft.com/office/powerpoint/2015/main" val="1"/>
+              </p:ext>
+            </p:extLst>
+          </p:nvPr>
+        </p:nvSpPr>
+        <p:spPr>
+          <a:xfrm rot="16200000">
+            <a:off x="800100" y="1491343"/>
+            <a:ext cx="3333749" cy="3499103"/>
+          </a:xfrm>
+          <a:prstGeom prst="downArrow">
+            <a:avLst>
+              <a:gd name="adj1" fmla="val 100000"/>
+              <a:gd name="adj2" fmla="val 15788"/>
+            </a:avLst>
+          </a:prstGeom>
+          <a:solidFill>
+            <a:srgbClr val="404040"/>
+          </a:solidFill>
+          <a:ln w="53975">
+            <a:noFill/>
+          </a:ln>
+        </p:spPr>
+        <p:style>
+          <a:lnRef idx="2">
+            <a:schemeClr val="accent1">
+              <a:shade val="50000"/>
+            </a:schemeClr>
+          </a:lnRef>
+          <a:fillRef idx="1">
+            <a:schemeClr val="accent1"/>
+          </a:fillRef>
+          <a:effectRef idx="0">
+            <a:schemeClr val="accent1"/>
+          </a:effectRef>
+          <a:fontRef idx="minor">
+            <a:schemeClr val="lt1"/>
+          </a:fontRef>
+        </p:style>
+        <p:txBody>
+          <a:bodyPr rtlCol="0" anchor="ctr"/>
+          <a:lstStyle/>
+          <a:p>
+            <a:pPr algn="ctr"/>
+            <a:endParaRPr lang="en-US"/>
+          </a:p>
+        </p:txBody>
+      </p:sp>
+      <p:sp>
+        <p:nvSpPr>
+          <p:cNvPr id="2" name="Title 1">
+            <a:extLst>
+              <a:ext uri="{FF2B5EF4-FFF2-40B4-BE49-F238E27FC236}">
+                <a16:creationId xmlns:a16="http://schemas.microsoft.com/office/drawing/2014/main" id="{285EEC02-F13D-5497-E4E0-D0722BE26EF0}"/>
+              </a:ext>
+            </a:extLst>
+          </p:cNvPr>
+          <p:cNvSpPr>
+            <a:spLocks noGrp="1"/>
+          </p:cNvSpPr>
+          <p:nvPr>
+            <p:ph type="title"/>
+          </p:nvPr>
+        </p:nvSpPr>
+        <p:spPr>
+          <a:xfrm>
+            <a:off x="1028700" y="1967266"/>
+            <a:ext cx="2628900" cy="2547257"/>
+          </a:xfrm>
+          <a:noFill/>
+        </p:spPr>
+        <p:txBody>
+          <a:bodyPr vert="horz" lIns="91440" tIns="45720" rIns="91440" bIns="45720" rtlCol="0" anchor="ctr">
+            <a:normAutofit/>
+          </a:bodyPr>
+          <a:lstStyle/>
+          <a:p>
+            <a:pPr algn="ctr"/>
+            <a:r>
+              <a:rPr lang="en-US" sz="3600" kern="1200" dirty="0" err="1">
+                <a:solidFill>
+                  <a:srgbClr val="FFFFFF"/>
+                </a:solidFill>
+                <a:latin typeface="+mj-lt"/>
+                <a:ea typeface="+mj-ea"/>
+                <a:cs typeface="+mj-cs"/>
+              </a:rPr>
+              <a:t>XGBoost</a:t>
+            </a:r>
+            <a:r>
+              <a:rPr lang="en-US" sz="3600" kern="1200" dirty="0">
+                <a:solidFill>
+                  <a:srgbClr val="FFFFFF"/>
+                </a:solidFill>
+                <a:latin typeface="+mj-lt"/>
+                <a:ea typeface="+mj-ea"/>
+                <a:cs typeface="+mj-cs"/>
+              </a:rPr>
+              <a:t> Breakdown	</a:t>
+            </a:r>
+          </a:p>
+        </p:txBody>
+      </p:sp>
+      <p:pic>
+        <p:nvPicPr>
+          <p:cNvPr id="5" name="Content Placeholder 4" descr="A picture containing table&#10;&#10;Description automatically generated">
+            <a:extLst>
+              <a:ext uri="{FF2B5EF4-FFF2-40B4-BE49-F238E27FC236}">
+                <a16:creationId xmlns:a16="http://schemas.microsoft.com/office/drawing/2014/main" id="{05E54F36-ADD2-5951-F852-04BB0D08AF12}"/>
+              </a:ext>
+            </a:extLst>
+          </p:cNvPr>
+          <p:cNvPicPr>
+            <a:picLocks noGrp="1" noChangeAspect="1"/>
+          </p:cNvPicPr>
+          <p:nvPr>
+            <p:ph idx="1"/>
+          </p:nvPr>
+        </p:nvPicPr>
+        <p:blipFill>
+          <a:blip r:embed="rId3"/>
+          <a:stretch>
+            <a:fillRect/>
+          </a:stretch>
+        </p:blipFill>
+        <p:spPr>
+          <a:xfrm>
+            <a:off x="4527804" y="0"/>
+            <a:ext cx="7604768" cy="6858000"/>
+          </a:xfrm>
+          <a:prstGeom prst="rect">
+            <a:avLst/>
+          </a:prstGeom>
+        </p:spPr>
+      </p:pic>
+    </p:spTree>
+    <p:extLst>
+      <p:ext uri="{BB962C8B-B14F-4D97-AF65-F5344CB8AC3E}">
+        <p14:creationId xmlns:p14="http://schemas.microsoft.com/office/powerpoint/2010/main" val="3992117455"/>
+      </p:ext>
+    </p:extLst>
+  </p:cSld>
+  <p:clrMapOvr>
+    <a:masterClrMapping/>
+  </p:clrMapOvr>
+</p:sld>
+</file>
+
+<file path=ppt/slides/slide9.xml><?xml version="1.0" encoding="utf-8"?>
+<p:sld xmlns:a="http://schemas.openxmlformats.org/drawingml/2006/main" xmlns:r="http://schemas.openxmlformats.org/officeDocument/2006/relationships" xmlns:p="http://schemas.openxmlformats.org/presentationml/2006/main">
+  <p:cSld>
+    <p:bg>
+      <p:bgPr>
+        <a:solidFill>
+          <a:schemeClr val="bg1"/>
+        </a:solidFill>
+        <a:effectLst/>
+      </p:bgPr>
+    </p:bg>
+    <p:spTree>
+      <p:nvGrpSpPr>
+        <p:cNvPr id="1" name=""/>
+        <p:cNvGrpSpPr/>
+        <p:nvPr/>
+      </p:nvGrpSpPr>
+      <p:grpSpPr>
+        <a:xfrm>
+          <a:off x="0" y="0"/>
+          <a:ext cx="0" cy="0"/>
+          <a:chOff x="0" y="0"/>
+          <a:chExt cx="0" cy="0"/>
+        </a:xfrm>
+      </p:grpSpPr>
+      <p:sp>
+        <p:nvSpPr>
           <p:cNvPr id="9" name="Freeform: Shape 8">
             <a:extLst>
               <a:ext uri="{FF2B5EF4-FFF2-40B4-BE49-F238E27FC236}">
@@ -11623,7 +14047,7 @@
           <a:lstStyle/>
           <a:p>
             <a:r>
-              <a:rPr lang="en-US" sz="4000">
+              <a:rPr lang="en-US" sz="4000" dirty="0">
                 <a:solidFill>
                   <a:srgbClr val="FFFFFF"/>
                 </a:solidFill>
@@ -11668,214 +14092,6 @@
     <p:extLst>
       <p:ext uri="{BB962C8B-B14F-4D97-AF65-F5344CB8AC3E}">
         <p14:creationId xmlns:p14="http://schemas.microsoft.com/office/powerpoint/2010/main" val="476253833"/>
-      </p:ext>
-    </p:extLst>
-  </p:cSld>
-  <p:clrMapOvr>
-    <a:masterClrMapping/>
-  </p:clrMapOvr>
-</p:sld>
-</file>
-
-<file path=ppt/slides/slide7.xml><?xml version="1.0" encoding="utf-8"?>
-<p:sld xmlns:a="http://schemas.openxmlformats.org/drawingml/2006/main" xmlns:r="http://schemas.openxmlformats.org/officeDocument/2006/relationships" xmlns:p="http://schemas.openxmlformats.org/presentationml/2006/main">
-  <p:cSld>
-    <p:bg>
-      <p:bgPr>
-        <a:solidFill>
-          <a:schemeClr val="bg1"/>
-        </a:solidFill>
-        <a:effectLst/>
-      </p:bgPr>
-    </p:bg>
-    <p:spTree>
-      <p:nvGrpSpPr>
-        <p:cNvPr id="1" name=""/>
-        <p:cNvGrpSpPr/>
-        <p:nvPr/>
-      </p:nvGrpSpPr>
-      <p:grpSpPr>
-        <a:xfrm>
-          <a:off x="0" y="0"/>
-          <a:ext cx="0" cy="0"/>
-          <a:chOff x="0" y="0"/>
-          <a:chExt cx="0" cy="0"/>
-        </a:xfrm>
-      </p:grpSpPr>
-      <p:sp>
-        <p:nvSpPr>
-          <p:cNvPr id="18" name="Rectangle 8">
-            <a:extLst>
-              <a:ext uri="{FF2B5EF4-FFF2-40B4-BE49-F238E27FC236}">
-                <a16:creationId xmlns:a16="http://schemas.microsoft.com/office/drawing/2014/main" id="{ADF2AA3E-C714-4E8D-9F46-9E6FFF7FBA36}"/>
-              </a:ext>
-              <a:ext uri="{C183D7F6-B498-43B3-948B-1728B52AA6E4}">
-                <adec:decorative xmlns:adec="http://schemas.microsoft.com/office/drawing/2017/decorative" val="1"/>
-              </a:ext>
-            </a:extLst>
-          </p:cNvPr>
-          <p:cNvSpPr>
-            <a:spLocks noGrp="1" noRot="1" noChangeAspect="1" noMove="1" noResize="1" noEditPoints="1" noAdjustHandles="1" noChangeArrowheads="1" noChangeShapeType="1" noTextEdit="1"/>
-          </p:cNvSpPr>
-          <p:nvPr>
-            <p:extLst>
-              <p:ext uri="{386F3935-93C4-4BCD-93E2-E3B085C9AB24}">
-                <p16:designElem xmlns:p16="http://schemas.microsoft.com/office/powerpoint/2015/main" val="1"/>
-              </p:ext>
-            </p:extLst>
-          </p:nvPr>
-        </p:nvSpPr>
-        <p:spPr bwMode="ltGray">
-          <a:xfrm>
-            <a:off x="393308" y="338328"/>
-            <a:ext cx="11438793" cy="1577725"/>
-          </a:xfrm>
-          <a:prstGeom prst="rect">
-            <a:avLst/>
-          </a:prstGeom>
-          <a:solidFill>
-            <a:schemeClr val="tx1">
-              <a:lumMod val="75000"/>
-              <a:lumOff val="25000"/>
-            </a:schemeClr>
-          </a:solidFill>
-          <a:ln w="127000" cap="sq" cmpd="thinThick">
-            <a:solidFill>
-              <a:schemeClr val="tx1">
-                <a:lumMod val="75000"/>
-                <a:lumOff val="25000"/>
-              </a:schemeClr>
-            </a:solidFill>
-          </a:ln>
-        </p:spPr>
-        <p:style>
-          <a:lnRef idx="2">
-            <a:schemeClr val="accent1">
-              <a:shade val="50000"/>
-            </a:schemeClr>
-          </a:lnRef>
-          <a:fillRef idx="1">
-            <a:schemeClr val="accent1"/>
-          </a:fillRef>
-          <a:effectRef idx="0">
-            <a:schemeClr val="accent1"/>
-          </a:effectRef>
-          <a:fontRef idx="minor">
-            <a:schemeClr val="lt1"/>
-          </a:fontRef>
-        </p:style>
-        <p:txBody>
-          <a:bodyPr rtlCol="0" anchor="ctr"/>
-          <a:lstStyle/>
-          <a:p>
-            <a:pPr marL="0" marR="0" lvl="0" indent="0" algn="ctr" defTabSz="914400" rtl="0" eaLnBrk="1" fontAlgn="auto" latinLnBrk="0" hangingPunct="1">
-              <a:lnSpc>
-                <a:spcPct val="100000"/>
-              </a:lnSpc>
-              <a:spcBef>
-                <a:spcPts val="0"/>
-              </a:spcBef>
-              <a:spcAft>
-                <a:spcPts val="0"/>
-              </a:spcAft>
-              <a:buClrTx/>
-              <a:buSzTx/>
-              <a:buFontTx/>
-              <a:buNone/>
-              <a:tabLst/>
-              <a:defRPr/>
-            </a:pPr>
-            <a:endParaRPr kumimoji="0" lang="en-US" sz="1800" b="0" i="0" u="none" strike="noStrike" kern="1200" cap="none" spc="0" normalizeH="0" baseline="0" noProof="0">
-              <a:ln>
-                <a:noFill/>
-              </a:ln>
-              <a:solidFill>
-                <a:prstClr val="white"/>
-              </a:solidFill>
-              <a:effectLst/>
-              <a:uLnTx/>
-              <a:uFillTx/>
-              <a:latin typeface="Calibri" panose="020F0502020204030204"/>
-              <a:ea typeface="+mn-ea"/>
-              <a:cs typeface="+mn-cs"/>
-            </a:endParaRPr>
-          </a:p>
-        </p:txBody>
-      </p:sp>
-      <p:sp>
-        <p:nvSpPr>
-          <p:cNvPr id="2" name="Title 1">
-            <a:extLst>
-              <a:ext uri="{FF2B5EF4-FFF2-40B4-BE49-F238E27FC236}">
-                <a16:creationId xmlns:a16="http://schemas.microsoft.com/office/drawing/2014/main" id="{3685B1BE-E3DD-FA50-7264-39FC5D1876FC}"/>
-              </a:ext>
-            </a:extLst>
-          </p:cNvPr>
-          <p:cNvSpPr>
-            <a:spLocks noGrp="1"/>
-          </p:cNvSpPr>
-          <p:nvPr>
-            <p:ph type="title"/>
-          </p:nvPr>
-        </p:nvSpPr>
-        <p:spPr>
-          <a:xfrm>
-            <a:off x="838200" y="467541"/>
-            <a:ext cx="10515600" cy="1325563"/>
-          </a:xfrm>
-        </p:spPr>
-        <p:txBody>
-          <a:bodyPr>
-            <a:normAutofit/>
-          </a:bodyPr>
-          <a:lstStyle/>
-          <a:p>
-            <a:r>
-              <a:rPr lang="en-US">
-                <a:solidFill>
-                  <a:schemeClr val="bg1"/>
-                </a:solidFill>
-              </a:rPr>
-              <a:t>Next Steps</a:t>
-            </a:r>
-          </a:p>
-        </p:txBody>
-      </p:sp>
-      <p:graphicFrame>
-        <p:nvGraphicFramePr>
-          <p:cNvPr id="19" name="Content Placeholder 2">
-            <a:extLst>
-              <a:ext uri="{FF2B5EF4-FFF2-40B4-BE49-F238E27FC236}">
-                <a16:creationId xmlns:a16="http://schemas.microsoft.com/office/drawing/2014/main" id="{2FA0C95E-BD25-5817-0F30-72D104EEE3DD}"/>
-              </a:ext>
-            </a:extLst>
-          </p:cNvPr>
-          <p:cNvGraphicFramePr>
-            <a:graphicFrameLocks noGrp="1"/>
-          </p:cNvGraphicFramePr>
-          <p:nvPr>
-            <p:ph idx="1"/>
-            <p:extLst>
-              <p:ext uri="{D42A27DB-BD31-4B8C-83A1-F6EECF244321}">
-                <p14:modId xmlns:p14="http://schemas.microsoft.com/office/powerpoint/2010/main" val="1325195932"/>
-              </p:ext>
-            </p:extLst>
-          </p:nvPr>
-        </p:nvGraphicFramePr>
-        <p:xfrm>
-          <a:off x="838200" y="2281565"/>
-          <a:ext cx="10515600" cy="3939310"/>
-        </p:xfrm>
-        <a:graphic>
-          <a:graphicData uri="http://schemas.openxmlformats.org/drawingml/2006/diagram">
-            <dgm:relIds xmlns:dgm="http://schemas.openxmlformats.org/drawingml/2006/diagram" xmlns:r="http://schemas.openxmlformats.org/officeDocument/2006/relationships" r:dm="rId2" r:lo="rId3" r:qs="rId4" r:cs="rId5"/>
-          </a:graphicData>
-        </a:graphic>
-      </p:graphicFrame>
-    </p:spTree>
-    <p:extLst>
-      <p:ext uri="{BB962C8B-B14F-4D97-AF65-F5344CB8AC3E}">
-        <p14:creationId xmlns:p14="http://schemas.microsoft.com/office/powerpoint/2010/main" val="2349755058"/>
       </p:ext>
     </p:extLst>
   </p:cSld>
@@ -12178,4 +14394,299 @@
     </a:ext>
   </a:extLst>
 </a:theme>
+</file>
+
+<file path=ppt/theme/theme2.xml><?xml version="1.0" encoding="utf-8"?>
+<a:theme xmlns:a="http://schemas.openxmlformats.org/drawingml/2006/main" name="Office Theme">
+  <a:themeElements>
+    <a:clrScheme name="Office">
+      <a:dk1>
+        <a:sysClr val="windowText" lastClr="000000"/>
+      </a:dk1>
+      <a:lt1>
+        <a:sysClr val="window" lastClr="FFFFFF"/>
+      </a:lt1>
+      <a:dk2>
+        <a:srgbClr val="44546A"/>
+      </a:dk2>
+      <a:lt2>
+        <a:srgbClr val="E7E6E6"/>
+      </a:lt2>
+      <a:accent1>
+        <a:srgbClr val="4472C4"/>
+      </a:accent1>
+      <a:accent2>
+        <a:srgbClr val="ED7D31"/>
+      </a:accent2>
+      <a:accent3>
+        <a:srgbClr val="A5A5A5"/>
+      </a:accent3>
+      <a:accent4>
+        <a:srgbClr val="FFC000"/>
+      </a:accent4>
+      <a:accent5>
+        <a:srgbClr val="5B9BD5"/>
+      </a:accent5>
+      <a:accent6>
+        <a:srgbClr val="70AD47"/>
+      </a:accent6>
+      <a:hlink>
+        <a:srgbClr val="0563C1"/>
+      </a:hlink>
+      <a:folHlink>
+        <a:srgbClr val="954F72"/>
+      </a:folHlink>
+    </a:clrScheme>
+    <a:fontScheme name="Office">
+      <a:majorFont>
+        <a:latin typeface="Calibri Light" panose="020F0302020204030204"/>
+        <a:ea typeface=""/>
+        <a:cs typeface=""/>
+        <a:font script="Jpan" typeface="游ゴシック Light"/>
+        <a:font script="Hang" typeface="맑은 고딕"/>
+        <a:font script="Hans" typeface="等线 Light"/>
+        <a:font script="Hant" typeface="新細明體"/>
+        <a:font script="Arab" typeface="Times New Roman"/>
+        <a:font script="Hebr" typeface="Times New Roman"/>
+        <a:font script="Thai" typeface="Angsana New"/>
+        <a:font script="Ethi" typeface="Nyala"/>
+        <a:font script="Beng" typeface="Vrinda"/>
+        <a:font script="Gujr" typeface="Shruti"/>
+        <a:font script="Khmr" typeface="MoolBoran"/>
+        <a:font script="Knda" typeface="Tunga"/>
+        <a:font script="Guru" typeface="Raavi"/>
+        <a:font script="Cans" typeface="Euphemia"/>
+        <a:font script="Cher" typeface="Plantagenet Cherokee"/>
+        <a:font script="Yiii" typeface="Microsoft Yi Baiti"/>
+        <a:font script="Tibt" typeface="Microsoft Himalaya"/>
+        <a:font script="Thaa" typeface="MV Boli"/>
+        <a:font script="Deva" typeface="Mangal"/>
+        <a:font script="Telu" typeface="Gautami"/>
+        <a:font script="Taml" typeface="Latha"/>
+        <a:font script="Syrc" typeface="Estrangelo Edessa"/>
+        <a:font script="Orya" typeface="Kalinga"/>
+        <a:font script="Mlym" typeface="Kartika"/>
+        <a:font script="Laoo" typeface="DokChampa"/>
+        <a:font script="Sinh" typeface="Iskoola Pota"/>
+        <a:font script="Mong" typeface="Mongolian Baiti"/>
+        <a:font script="Viet" typeface="Times New Roman"/>
+        <a:font script="Uigh" typeface="Microsoft Uighur"/>
+        <a:font script="Geor" typeface="Sylfaen"/>
+        <a:font script="Armn" typeface="Arial"/>
+        <a:font script="Bugi" typeface="Leelawadee UI"/>
+        <a:font script="Bopo" typeface="Microsoft JhengHei"/>
+        <a:font script="Java" typeface="Javanese Text"/>
+        <a:font script="Lisu" typeface="Segoe UI"/>
+        <a:font script="Mymr" typeface="Myanmar Text"/>
+        <a:font script="Nkoo" typeface="Ebrima"/>
+        <a:font script="Olck" typeface="Nirmala UI"/>
+        <a:font script="Osma" typeface="Ebrima"/>
+        <a:font script="Phag" typeface="Phagspa"/>
+        <a:font script="Syrn" typeface="Estrangelo Edessa"/>
+        <a:font script="Syrj" typeface="Estrangelo Edessa"/>
+        <a:font script="Syre" typeface="Estrangelo Edessa"/>
+        <a:font script="Sora" typeface="Nirmala UI"/>
+        <a:font script="Tale" typeface="Microsoft Tai Le"/>
+        <a:font script="Talu" typeface="Microsoft New Tai Lue"/>
+        <a:font script="Tfng" typeface="Ebrima"/>
+      </a:majorFont>
+      <a:minorFont>
+        <a:latin typeface="Calibri" panose="020F0502020204030204"/>
+        <a:ea typeface=""/>
+        <a:cs typeface=""/>
+        <a:font script="Jpan" typeface="游ゴシック"/>
+        <a:font script="Hang" typeface="맑은 고딕"/>
+        <a:font script="Hans" typeface="等线"/>
+        <a:font script="Hant" typeface="新細明體"/>
+        <a:font script="Arab" typeface="Arial"/>
+        <a:font script="Hebr" typeface="Arial"/>
+        <a:font script="Thai" typeface="Cordia New"/>
+        <a:font script="Ethi" typeface="Nyala"/>
+        <a:font script="Beng" typeface="Vrinda"/>
+        <a:font script="Gujr" typeface="Shruti"/>
+        <a:font script="Khmr" typeface="DaunPenh"/>
+        <a:font script="Knda" typeface="Tunga"/>
+        <a:font script="Guru" typeface="Raavi"/>
+        <a:font script="Cans" typeface="Euphemia"/>
+        <a:font script="Cher" typeface="Plantagenet Cherokee"/>
+        <a:font script="Yiii" typeface="Microsoft Yi Baiti"/>
+        <a:font script="Tibt" typeface="Microsoft Himalaya"/>
+        <a:font script="Thaa" typeface="MV Boli"/>
+        <a:font script="Deva" typeface="Mangal"/>
+        <a:font script="Telu" typeface="Gautami"/>
+        <a:font script="Taml" typeface="Latha"/>
+        <a:font script="Syrc" typeface="Estrangelo Edessa"/>
+        <a:font script="Orya" typeface="Kalinga"/>
+        <a:font script="Mlym" typeface="Kartika"/>
+        <a:font script="Laoo" typeface="DokChampa"/>
+        <a:font script="Sinh" typeface="Iskoola Pota"/>
+        <a:font script="Mong" typeface="Mongolian Baiti"/>
+        <a:font script="Viet" typeface="Arial"/>
+        <a:font script="Uigh" typeface="Microsoft Uighur"/>
+        <a:font script="Geor" typeface="Sylfaen"/>
+        <a:font script="Armn" typeface="Arial"/>
+        <a:font script="Bugi" typeface="Leelawadee UI"/>
+        <a:font script="Bopo" typeface="Microsoft JhengHei"/>
+        <a:font script="Java" typeface="Javanese Text"/>
+        <a:font script="Lisu" typeface="Segoe UI"/>
+        <a:font script="Mymr" typeface="Myanmar Text"/>
+        <a:font script="Nkoo" typeface="Ebrima"/>
+        <a:font script="Olck" typeface="Nirmala UI"/>
+        <a:font script="Osma" typeface="Ebrima"/>
+        <a:font script="Phag" typeface="Phagspa"/>
+        <a:font script="Syrn" typeface="Estrangelo Edessa"/>
+        <a:font script="Syrj" typeface="Estrangelo Edessa"/>
+        <a:font script="Syre" typeface="Estrangelo Edessa"/>
+        <a:font script="Sora" typeface="Nirmala UI"/>
+        <a:font script="Tale" typeface="Microsoft Tai Le"/>
+        <a:font script="Talu" typeface="Microsoft New Tai Lue"/>
+        <a:font script="Tfng" typeface="Ebrima"/>
+      </a:minorFont>
+    </a:fontScheme>
+    <a:fmtScheme name="Office">
+      <a:fillStyleLst>
+        <a:solidFill>
+          <a:schemeClr val="phClr"/>
+        </a:solidFill>
+        <a:gradFill rotWithShape="1">
+          <a:gsLst>
+            <a:gs pos="0">
+              <a:schemeClr val="phClr">
+                <a:lumMod val="110000"/>
+                <a:satMod val="105000"/>
+                <a:tint val="67000"/>
+              </a:schemeClr>
+            </a:gs>
+            <a:gs pos="50000">
+              <a:schemeClr val="phClr">
+                <a:lumMod val="105000"/>
+                <a:satMod val="103000"/>
+                <a:tint val="73000"/>
+              </a:schemeClr>
+            </a:gs>
+            <a:gs pos="100000">
+              <a:schemeClr val="phClr">
+                <a:lumMod val="105000"/>
+                <a:satMod val="109000"/>
+                <a:tint val="81000"/>
+              </a:schemeClr>
+            </a:gs>
+          </a:gsLst>
+          <a:lin ang="5400000" scaled="0"/>
+        </a:gradFill>
+        <a:gradFill rotWithShape="1">
+          <a:gsLst>
+            <a:gs pos="0">
+              <a:schemeClr val="phClr">
+                <a:satMod val="103000"/>
+                <a:lumMod val="102000"/>
+                <a:tint val="94000"/>
+              </a:schemeClr>
+            </a:gs>
+            <a:gs pos="50000">
+              <a:schemeClr val="phClr">
+                <a:satMod val="110000"/>
+                <a:lumMod val="100000"/>
+                <a:shade val="100000"/>
+              </a:schemeClr>
+            </a:gs>
+            <a:gs pos="100000">
+              <a:schemeClr val="phClr">
+                <a:lumMod val="99000"/>
+                <a:satMod val="120000"/>
+                <a:shade val="78000"/>
+              </a:schemeClr>
+            </a:gs>
+          </a:gsLst>
+          <a:lin ang="5400000" scaled="0"/>
+        </a:gradFill>
+      </a:fillStyleLst>
+      <a:lnStyleLst>
+        <a:ln w="6350" cap="flat" cmpd="sng" algn="ctr">
+          <a:solidFill>
+            <a:schemeClr val="phClr"/>
+          </a:solidFill>
+          <a:prstDash val="solid"/>
+          <a:miter lim="800000"/>
+        </a:ln>
+        <a:ln w="12700" cap="flat" cmpd="sng" algn="ctr">
+          <a:solidFill>
+            <a:schemeClr val="phClr"/>
+          </a:solidFill>
+          <a:prstDash val="solid"/>
+          <a:miter lim="800000"/>
+        </a:ln>
+        <a:ln w="19050" cap="flat" cmpd="sng" algn="ctr">
+          <a:solidFill>
+            <a:schemeClr val="phClr"/>
+          </a:solidFill>
+          <a:prstDash val="solid"/>
+          <a:miter lim="800000"/>
+        </a:ln>
+      </a:lnStyleLst>
+      <a:effectStyleLst>
+        <a:effectStyle>
+          <a:effectLst/>
+        </a:effectStyle>
+        <a:effectStyle>
+          <a:effectLst/>
+        </a:effectStyle>
+        <a:effectStyle>
+          <a:effectLst>
+            <a:outerShdw blurRad="57150" dist="19050" dir="5400000" algn="ctr" rotWithShape="0">
+              <a:srgbClr val="000000">
+                <a:alpha val="63000"/>
+              </a:srgbClr>
+            </a:outerShdw>
+          </a:effectLst>
+        </a:effectStyle>
+      </a:effectStyleLst>
+      <a:bgFillStyleLst>
+        <a:solidFill>
+          <a:schemeClr val="phClr"/>
+        </a:solidFill>
+        <a:solidFill>
+          <a:schemeClr val="phClr">
+            <a:tint val="95000"/>
+            <a:satMod val="170000"/>
+          </a:schemeClr>
+        </a:solidFill>
+        <a:gradFill rotWithShape="1">
+          <a:gsLst>
+            <a:gs pos="0">
+              <a:schemeClr val="phClr">
+                <a:tint val="93000"/>
+                <a:satMod val="150000"/>
+                <a:shade val="98000"/>
+                <a:lumMod val="102000"/>
+              </a:schemeClr>
+            </a:gs>
+            <a:gs pos="50000">
+              <a:schemeClr val="phClr">
+                <a:tint val="98000"/>
+                <a:satMod val="130000"/>
+                <a:shade val="90000"/>
+                <a:lumMod val="103000"/>
+              </a:schemeClr>
+            </a:gs>
+            <a:gs pos="100000">
+              <a:schemeClr val="phClr">
+                <a:shade val="63000"/>
+                <a:satMod val="120000"/>
+              </a:schemeClr>
+            </a:gs>
+          </a:gsLst>
+          <a:lin ang="5400000" scaled="0"/>
+        </a:gradFill>
+      </a:bgFillStyleLst>
+    </a:fmtScheme>
+  </a:themeElements>
+  <a:objectDefaults/>
+  <a:extraClrSchemeLst/>
+  <a:extLst>
+    <a:ext uri="{05A4C25C-085E-4340-85A3-A5531E510DB2}">
+      <thm15:themeFamily xmlns:thm15="http://schemas.microsoft.com/office/thememl/2012/main" name="Office Theme" id="{62F939B6-93AF-4DB8-9C6B-D6C7DFDC589F}" vid="{4A3C46E8-61CC-4603-A589-7422A47A8E4A}"/>
+    </a:ext>
+  </a:extLst>
+</a:theme>
 </file>